--- a/506_Singal_Slot.pptx
+++ b/506_Singal_Slot.pptx
@@ -5,14 +5,25 @@
     <p:sldMasterId id="2147483648" r:id="rId1"/>
   </p:sldMasterIdLst>
   <p:notesMasterIdLst>
-    <p:notesMasterId r:id="rId7"/>
+    <p:notesMasterId r:id="rId18"/>
   </p:notesMasterIdLst>
   <p:sldIdLst>
     <p:sldId id="256" r:id="rId2"/>
     <p:sldId id="262" r:id="rId3"/>
-    <p:sldId id="296" r:id="rId4"/>
-    <p:sldId id="307" r:id="rId5"/>
-    <p:sldId id="259" r:id="rId6"/>
+    <p:sldId id="308" r:id="rId4"/>
+    <p:sldId id="296" r:id="rId5"/>
+    <p:sldId id="307" r:id="rId6"/>
+    <p:sldId id="309" r:id="rId7"/>
+    <p:sldId id="310" r:id="rId8"/>
+    <p:sldId id="311" r:id="rId9"/>
+    <p:sldId id="312" r:id="rId10"/>
+    <p:sldId id="315" r:id="rId11"/>
+    <p:sldId id="313" r:id="rId12"/>
+    <p:sldId id="316" r:id="rId13"/>
+    <p:sldId id="314" r:id="rId14"/>
+    <p:sldId id="317" r:id="rId15"/>
+    <p:sldId id="318" r:id="rId16"/>
+    <p:sldId id="259" r:id="rId17"/>
   </p:sldIdLst>
   <p:sldSz cx="9144000" cy="6858000" type="screen4x3"/>
   <p:notesSz cx="6858000" cy="9144000"/>
@@ -3600,7 +3611,7 @@
 </p:sld>
 </file>
 
-<file path=ppt/slides/slide2.xml><?xml version="1.0" encoding="utf-8"?>
+<file path=ppt/slides/slide10.xml><?xml version="1.0" encoding="utf-8"?>
 <p:sld xmlns:a="http://schemas.openxmlformats.org/drawingml/2006/main" xmlns:r="http://schemas.openxmlformats.org/officeDocument/2006/relationships" xmlns:p="http://schemas.openxmlformats.org/presentationml/2006/main">
   <p:cSld>
     <p:spTree>
@@ -3617,6 +3628,207 @@
           <a:chExt cx="0" cy="0"/>
         </a:xfrm>
       </p:grpSpPr>
+      <p:sp>
+        <p:nvSpPr>
+          <p:cNvPr id="2" name="標題 1"/>
+          <p:cNvSpPr>
+            <a:spLocks noGrp="1"/>
+          </p:cNvSpPr>
+          <p:nvPr>
+            <p:ph type="ctrTitle"/>
+          </p:nvPr>
+        </p:nvSpPr>
+        <p:spPr>
+          <a:xfrm>
+            <a:off x="0" y="2130425"/>
+            <a:ext cx="9144000" cy="1470025"/>
+          </a:xfrm>
+          <a:solidFill>
+            <a:srgbClr val="00B0F0"/>
+          </a:solidFill>
+        </p:spPr>
+        <p:txBody>
+          <a:bodyPr>
+            <a:normAutofit/>
+          </a:bodyPr>
+          <a:lstStyle/>
+          <a:p>
+            <a:r>
+              <a:rPr lang="en-US" altLang="zh-TW" sz="4000" b="1" dirty="0">
+                <a:solidFill>
+                  <a:srgbClr val="FFFF00"/>
+                </a:solidFill>
+              </a:rPr>
+              <a:t>506.3 Change app to prog </a:t>
+            </a:r>
+            <a:endParaRPr lang="zh-TW" altLang="en-US" sz="4000" b="1" dirty="0">
+              <a:solidFill>
+                <a:srgbClr val="FFFF00"/>
+              </a:solidFill>
+            </a:endParaRPr>
+          </a:p>
+        </p:txBody>
+      </p:sp>
+      <p:sp>
+        <p:nvSpPr>
+          <p:cNvPr id="5" name="日期版面配置區 4"/>
+          <p:cNvSpPr>
+            <a:spLocks noGrp="1"/>
+          </p:cNvSpPr>
+          <p:nvPr>
+            <p:ph type="dt" sz="half" idx="10"/>
+          </p:nvPr>
+        </p:nvSpPr>
+        <p:spPr/>
+        <p:txBody>
+          <a:bodyPr/>
+          <a:lstStyle/>
+          <a:p>
+            <a:fld id="{C389EDC9-19E3-47AC-9C57-C6A24DEA81AD}" type="datetime1">
+              <a:rPr lang="zh-TW" altLang="en-US" smtClean="0"/>
+              <a:pPr/>
+              <a:t>2022/10/31</a:t>
+            </a:fld>
+            <a:endParaRPr lang="zh-TW" altLang="en-US"/>
+          </a:p>
+        </p:txBody>
+      </p:sp>
+      <p:sp>
+        <p:nvSpPr>
+          <p:cNvPr id="6" name="投影片編號版面配置區 5"/>
+          <p:cNvSpPr>
+            <a:spLocks noGrp="1"/>
+          </p:cNvSpPr>
+          <p:nvPr>
+            <p:ph type="sldNum" sz="quarter" idx="12"/>
+          </p:nvPr>
+        </p:nvSpPr>
+        <p:spPr/>
+        <p:txBody>
+          <a:bodyPr/>
+          <a:lstStyle/>
+          <a:p>
+            <a:fld id="{E4D7E63D-91F2-4366-A2C4-1B00C9E2590E}" type="slidenum">
+              <a:rPr lang="zh-TW" altLang="en-US" smtClean="0"/>
+              <a:pPr/>
+              <a:t>10</a:t>
+            </a:fld>
+            <a:endParaRPr lang="zh-TW" altLang="en-US"/>
+          </a:p>
+        </p:txBody>
+      </p:sp>
+      <p:pic>
+        <p:nvPicPr>
+          <p:cNvPr id="1026" name="Picture 2" descr="Image result for Qt logo">
+            <a:extLst>
+              <a:ext uri="{FF2B5EF4-FFF2-40B4-BE49-F238E27FC236}">
+                <a16:creationId xmlns:a16="http://schemas.microsoft.com/office/drawing/2014/main" id="{5BB30E86-0076-AFE3-8108-81F5E04DE19B}"/>
+              </a:ext>
+            </a:extLst>
+          </p:cNvPr>
+          <p:cNvPicPr>
+            <a:picLocks noChangeAspect="1" noChangeArrowheads="1"/>
+          </p:cNvPicPr>
+          <p:nvPr/>
+        </p:nvPicPr>
+        <p:blipFill>
+          <a:blip r:embed="rId2">
+            <a:extLst>
+              <a:ext uri="{28A0092B-C50C-407E-A947-70E740481C1C}">
+                <a14:useLocalDpi xmlns:a14="http://schemas.microsoft.com/office/drawing/2010/main" val="0"/>
+              </a:ext>
+            </a:extLst>
+          </a:blip>
+          <a:srcRect/>
+          <a:stretch>
+            <a:fillRect/>
+          </a:stretch>
+        </p:blipFill>
+        <p:spPr bwMode="auto">
+          <a:xfrm>
+            <a:off x="3923928" y="3665344"/>
+            <a:ext cx="1296144" cy="950506"/>
+          </a:xfrm>
+          <a:prstGeom prst="rect">
+            <a:avLst/>
+          </a:prstGeom>
+          <a:noFill/>
+          <a:extLst>
+            <a:ext uri="{909E8E84-426E-40DD-AFC4-6F175D3DCCD1}">
+              <a14:hiddenFill xmlns:a14="http://schemas.microsoft.com/office/drawing/2010/main">
+                <a:solidFill>
+                  <a:srgbClr val="FFFFFF"/>
+                </a:solidFill>
+              </a14:hiddenFill>
+            </a:ext>
+          </a:extLst>
+        </p:spPr>
+      </p:pic>
+    </p:spTree>
+    <p:extLst>
+      <p:ext uri="{BB962C8B-B14F-4D97-AF65-F5344CB8AC3E}">
+        <p14:creationId xmlns:p14="http://schemas.microsoft.com/office/powerpoint/2010/main" val="3052702320"/>
+      </p:ext>
+    </p:extLst>
+  </p:cSld>
+  <p:clrMapOvr>
+    <a:masterClrMapping/>
+  </p:clrMapOvr>
+</p:sld>
+</file>
+
+<file path=ppt/slides/slide11.xml><?xml version="1.0" encoding="utf-8"?>
+<p:sld xmlns:a="http://schemas.openxmlformats.org/drawingml/2006/main" xmlns:r="http://schemas.openxmlformats.org/officeDocument/2006/relationships" xmlns:p="http://schemas.openxmlformats.org/presentationml/2006/main">
+  <p:cSld>
+    <p:spTree>
+      <p:nvGrpSpPr>
+        <p:cNvPr id="1" name=""/>
+        <p:cNvGrpSpPr/>
+        <p:nvPr/>
+      </p:nvGrpSpPr>
+      <p:grpSpPr>
+        <a:xfrm>
+          <a:off x="0" y="0"/>
+          <a:ext cx="0" cy="0"/>
+          <a:chOff x="0" y="0"/>
+          <a:chExt cx="0" cy="0"/>
+        </a:xfrm>
+      </p:grpSpPr>
+      <p:pic>
+        <p:nvPicPr>
+          <p:cNvPr id="9" name="Picture 8">
+            <a:extLst>
+              <a:ext uri="{FF2B5EF4-FFF2-40B4-BE49-F238E27FC236}">
+                <a16:creationId xmlns:a16="http://schemas.microsoft.com/office/drawing/2014/main" id="{2177D947-9582-E8CE-E2E5-DEED48029EBA}"/>
+              </a:ext>
+            </a:extLst>
+          </p:cNvPr>
+          <p:cNvPicPr>
+            <a:picLocks noChangeAspect="1"/>
+          </p:cNvPicPr>
+          <p:nvPr/>
+        </p:nvPicPr>
+        <p:blipFill>
+          <a:blip r:embed="rId2"/>
+          <a:stretch>
+            <a:fillRect/>
+          </a:stretch>
+        </p:blipFill>
+        <p:spPr>
+          <a:xfrm>
+            <a:off x="885825" y="3429000"/>
+            <a:ext cx="7372350" cy="2181225"/>
+          </a:xfrm>
+          <a:prstGeom prst="rect">
+            <a:avLst/>
+          </a:prstGeom>
+          <a:ln>
+            <a:solidFill>
+              <a:srgbClr val="C00000"/>
+            </a:solidFill>
+          </a:ln>
+        </p:spPr>
+      </p:pic>
       <p:sp>
         <p:nvSpPr>
           <p:cNvPr id="2" name="標題 1"/>
@@ -3672,7 +3884,7 @@
                   <a:srgbClr val="FFFF00"/>
                 </a:solidFill>
               </a:rPr>
-              <a:t>506 Signal and Slot</a:t>
+              <a:t>506.3 Change app to prog </a:t>
             </a:r>
             <a:endParaRPr lang="zh-TW" altLang="en-US" sz="4000" b="1" dirty="0">
               <a:solidFill>
@@ -3694,8 +3906,8 @@
         </p:nvSpPr>
         <p:spPr>
           <a:xfrm>
-            <a:off x="467543" y="1268757"/>
-            <a:ext cx="8241831" cy="1892749"/>
+            <a:off x="438024" y="1250428"/>
+            <a:ext cx="8248776" cy="964928"/>
           </a:xfrm>
           <a:ln>
             <a:solidFill>
@@ -3723,7 +3935,7 @@
                   <a:schemeClr val="tx1"/>
                 </a:solidFill>
               </a:rPr>
-              <a:t>Signal and Slot</a:t>
+              <a:t>Change app to prog</a:t>
             </a:r>
           </a:p>
           <a:p>
@@ -3741,8 +3953,13 @@
                   <a:schemeClr val="tx1"/>
                 </a:solidFill>
               </a:rPr>
-              <a:t>We discuss differences in Operators.</a:t>
-            </a:r>
+              <a:t>Now, we need to change app to prog.</a:t>
+            </a:r>
+            <a:endParaRPr lang="en-US" sz="1800" b="1" dirty="0">
+              <a:solidFill>
+                <a:srgbClr val="C00000"/>
+              </a:solidFill>
+            </a:endParaRPr>
           </a:p>
           <a:p>
             <a:pPr marL="342900" indent="-342900" algn="l">
@@ -3753,32 +3970,11 @@
               <a:buFont typeface="Wingdings" pitchFamily="2" charset="2"/>
               <a:buChar char="u"/>
             </a:pPr>
-            <a:r>
-              <a:rPr lang="en-US" sz="1800" dirty="0">
-                <a:solidFill>
-                  <a:schemeClr val="tx1"/>
-                </a:solidFill>
-              </a:rPr>
-              <a:t>We create 05_Operator_Difference project and copy main.cpp from 04_Basic_QtApp project.</a:t>
-            </a:r>
-          </a:p>
-          <a:p>
-            <a:pPr marL="342900" indent="-342900" algn="l">
-              <a:buClr>
-                <a:srgbClr val="0070C0"/>
-              </a:buClr>
-              <a:buSzPct val="80000"/>
-              <a:buFont typeface="Wingdings" pitchFamily="2" charset="2"/>
-              <a:buChar char="u"/>
-            </a:pPr>
-            <a:r>
-              <a:rPr lang="en-US" sz="1800" dirty="0">
-                <a:solidFill>
-                  <a:schemeClr val="tx1"/>
-                </a:solidFill>
-              </a:rPr>
-              <a:t>We are wondering why we need the arrow in “-&gt;” in “label-&gt;show();”  instead of “.” separator in “label.show();” </a:t>
-            </a:r>
+            <a:endParaRPr lang="en-US" sz="1800" dirty="0">
+              <a:solidFill>
+                <a:schemeClr val="tx1"/>
+              </a:solidFill>
+            </a:endParaRPr>
           </a:p>
         </p:txBody>
       </p:sp>
@@ -3899,12 +4095,2108 @@
             <a:fld id="{E4D7E63D-91F2-4366-A2C4-1B00C9E2590E}" type="slidenum">
               <a:rPr lang="zh-TW" altLang="en-US" smtClean="0"/>
               <a:pPr/>
+              <a:t>11</a:t>
+            </a:fld>
+            <a:endParaRPr lang="zh-TW" altLang="en-US"/>
+          </a:p>
+        </p:txBody>
+      </p:sp>
+      <p:sp>
+        <p:nvSpPr>
+          <p:cNvPr id="8" name="Rectangle 7">
+            <a:extLst>
+              <a:ext uri="{FF2B5EF4-FFF2-40B4-BE49-F238E27FC236}">
+                <a16:creationId xmlns:a16="http://schemas.microsoft.com/office/drawing/2014/main" id="{275A914D-6C90-6558-CE97-ADB126214029}"/>
+              </a:ext>
+            </a:extLst>
+          </p:cNvPr>
+          <p:cNvSpPr/>
+          <p:nvPr/>
+        </p:nvSpPr>
+        <p:spPr>
+          <a:xfrm>
+            <a:off x="6021748" y="4519612"/>
+            <a:ext cx="720080" cy="194271"/>
+          </a:xfrm>
+          <a:prstGeom prst="rect">
+            <a:avLst/>
+          </a:prstGeom>
+          <a:noFill/>
+          <a:ln>
+            <a:solidFill>
+              <a:srgbClr val="C00000"/>
+            </a:solidFill>
+          </a:ln>
+        </p:spPr>
+        <p:style>
+          <a:lnRef idx="2">
+            <a:schemeClr val="accent1">
+              <a:shade val="50000"/>
+            </a:schemeClr>
+          </a:lnRef>
+          <a:fillRef idx="1">
+            <a:schemeClr val="accent1"/>
+          </a:fillRef>
+          <a:effectRef idx="0">
+            <a:schemeClr val="accent1"/>
+          </a:effectRef>
+          <a:fontRef idx="minor">
+            <a:schemeClr val="lt1"/>
+          </a:fontRef>
+        </p:style>
+        <p:txBody>
+          <a:bodyPr rtlCol="0" anchor="ctr"/>
+          <a:lstStyle/>
+          <a:p>
+            <a:pPr algn="ctr"/>
+            <a:endParaRPr lang="en-US"/>
+          </a:p>
+        </p:txBody>
+      </p:sp>
+      <p:sp>
+        <p:nvSpPr>
+          <p:cNvPr id="11" name="Rectangle 10">
+            <a:extLst>
+              <a:ext uri="{FF2B5EF4-FFF2-40B4-BE49-F238E27FC236}">
+                <a16:creationId xmlns:a16="http://schemas.microsoft.com/office/drawing/2014/main" id="{F0316C9B-7B03-5D57-94D7-39F297CB8626}"/>
+              </a:ext>
+            </a:extLst>
+          </p:cNvPr>
+          <p:cNvSpPr/>
+          <p:nvPr/>
+        </p:nvSpPr>
+        <p:spPr>
+          <a:xfrm>
+            <a:off x="3069420" y="4047479"/>
+            <a:ext cx="648072" cy="266279"/>
+          </a:xfrm>
+          <a:prstGeom prst="rect">
+            <a:avLst/>
+          </a:prstGeom>
+          <a:noFill/>
+          <a:ln>
+            <a:solidFill>
+              <a:srgbClr val="C00000"/>
+            </a:solidFill>
+          </a:ln>
+        </p:spPr>
+        <p:style>
+          <a:lnRef idx="2">
+            <a:schemeClr val="accent1">
+              <a:shade val="50000"/>
+            </a:schemeClr>
+          </a:lnRef>
+          <a:fillRef idx="1">
+            <a:schemeClr val="accent1"/>
+          </a:fillRef>
+          <a:effectRef idx="0">
+            <a:schemeClr val="accent1"/>
+          </a:effectRef>
+          <a:fontRef idx="minor">
+            <a:schemeClr val="lt1"/>
+          </a:fontRef>
+        </p:style>
+        <p:txBody>
+          <a:bodyPr rtlCol="0" anchor="ctr"/>
+          <a:lstStyle/>
+          <a:p>
+            <a:pPr algn="ctr"/>
+            <a:endParaRPr lang="en-US"/>
+          </a:p>
+        </p:txBody>
+      </p:sp>
+      <p:cxnSp>
+        <p:nvCxnSpPr>
+          <p:cNvPr id="13" name="Straight Arrow Connector 12">
+            <a:extLst>
+              <a:ext uri="{FF2B5EF4-FFF2-40B4-BE49-F238E27FC236}">
+                <a16:creationId xmlns:a16="http://schemas.microsoft.com/office/drawing/2014/main" id="{26491A1D-C1FD-D8EC-3F51-7391E28D64C9}"/>
+              </a:ext>
+            </a:extLst>
+          </p:cNvPr>
+          <p:cNvCxnSpPr>
+            <a:endCxn id="8" idx="1"/>
+          </p:cNvCxnSpPr>
+          <p:nvPr/>
+        </p:nvCxnSpPr>
+        <p:spPr>
+          <a:xfrm>
+            <a:off x="3717492" y="4191495"/>
+            <a:ext cx="2304256" cy="425253"/>
+          </a:xfrm>
+          <a:prstGeom prst="straightConnector1">
+            <a:avLst/>
+          </a:prstGeom>
+          <a:ln>
+            <a:tailEnd type="triangle"/>
+          </a:ln>
+        </p:spPr>
+        <p:style>
+          <a:lnRef idx="1">
+            <a:schemeClr val="accent2"/>
+          </a:lnRef>
+          <a:fillRef idx="0">
+            <a:schemeClr val="accent2"/>
+          </a:fillRef>
+          <a:effectRef idx="0">
+            <a:schemeClr val="accent2"/>
+          </a:effectRef>
+          <a:fontRef idx="minor">
+            <a:schemeClr val="tx1"/>
+          </a:fontRef>
+        </p:style>
+      </p:cxnSp>
+    </p:spTree>
+    <p:extLst>
+      <p:ext uri="{BB962C8B-B14F-4D97-AF65-F5344CB8AC3E}">
+        <p14:creationId xmlns:p14="http://schemas.microsoft.com/office/powerpoint/2010/main" val="966793891"/>
+      </p:ext>
+    </p:extLst>
+  </p:cSld>
+  <p:clrMapOvr>
+    <a:masterClrMapping/>
+  </p:clrMapOvr>
+</p:sld>
+</file>
+
+<file path=ppt/slides/slide12.xml><?xml version="1.0" encoding="utf-8"?>
+<p:sld xmlns:a="http://schemas.openxmlformats.org/drawingml/2006/main" xmlns:r="http://schemas.openxmlformats.org/officeDocument/2006/relationships" xmlns:p="http://schemas.openxmlformats.org/presentationml/2006/main">
+  <p:cSld>
+    <p:spTree>
+      <p:nvGrpSpPr>
+        <p:cNvPr id="1" name=""/>
+        <p:cNvGrpSpPr/>
+        <p:nvPr/>
+      </p:nvGrpSpPr>
+      <p:grpSpPr>
+        <a:xfrm>
+          <a:off x="0" y="0"/>
+          <a:ext cx="0" cy="0"/>
+          <a:chOff x="0" y="0"/>
+          <a:chExt cx="0" cy="0"/>
+        </a:xfrm>
+      </p:grpSpPr>
+      <p:sp>
+        <p:nvSpPr>
+          <p:cNvPr id="2" name="標題 1"/>
+          <p:cNvSpPr>
+            <a:spLocks noGrp="1"/>
+          </p:cNvSpPr>
+          <p:nvPr>
+            <p:ph type="ctrTitle"/>
+          </p:nvPr>
+        </p:nvSpPr>
+        <p:spPr>
+          <a:xfrm>
+            <a:off x="0" y="2130425"/>
+            <a:ext cx="9144000" cy="1470025"/>
+          </a:xfrm>
+          <a:solidFill>
+            <a:srgbClr val="00B0F0"/>
+          </a:solidFill>
+        </p:spPr>
+        <p:txBody>
+          <a:bodyPr>
+            <a:normAutofit/>
+          </a:bodyPr>
+          <a:lstStyle/>
+          <a:p>
+            <a:r>
+              <a:rPr lang="en-US" altLang="zh-TW" sz="4000" b="1" dirty="0">
+                <a:solidFill>
+                  <a:srgbClr val="FFFF00"/>
+                </a:solidFill>
+              </a:rPr>
+              <a:t>506.4 Rerun Signal and Slot App</a:t>
+            </a:r>
+            <a:endParaRPr lang="zh-TW" altLang="en-US" sz="4000" b="1" dirty="0">
+              <a:solidFill>
+                <a:srgbClr val="FFFF00"/>
+              </a:solidFill>
+            </a:endParaRPr>
+          </a:p>
+        </p:txBody>
+      </p:sp>
+      <p:sp>
+        <p:nvSpPr>
+          <p:cNvPr id="5" name="日期版面配置區 4"/>
+          <p:cNvSpPr>
+            <a:spLocks noGrp="1"/>
+          </p:cNvSpPr>
+          <p:nvPr>
+            <p:ph type="dt" sz="half" idx="10"/>
+          </p:nvPr>
+        </p:nvSpPr>
+        <p:spPr/>
+        <p:txBody>
+          <a:bodyPr/>
+          <a:lstStyle/>
+          <a:p>
+            <a:fld id="{C389EDC9-19E3-47AC-9C57-C6A24DEA81AD}" type="datetime1">
+              <a:rPr lang="zh-TW" altLang="en-US" smtClean="0"/>
+              <a:pPr/>
+              <a:t>2022/10/31</a:t>
+            </a:fld>
+            <a:endParaRPr lang="zh-TW" altLang="en-US"/>
+          </a:p>
+        </p:txBody>
+      </p:sp>
+      <p:sp>
+        <p:nvSpPr>
+          <p:cNvPr id="6" name="投影片編號版面配置區 5"/>
+          <p:cNvSpPr>
+            <a:spLocks noGrp="1"/>
+          </p:cNvSpPr>
+          <p:nvPr>
+            <p:ph type="sldNum" sz="quarter" idx="12"/>
+          </p:nvPr>
+        </p:nvSpPr>
+        <p:spPr/>
+        <p:txBody>
+          <a:bodyPr/>
+          <a:lstStyle/>
+          <a:p>
+            <a:fld id="{E4D7E63D-91F2-4366-A2C4-1B00C9E2590E}" type="slidenum">
+              <a:rPr lang="zh-TW" altLang="en-US" smtClean="0"/>
+              <a:pPr/>
+              <a:t>12</a:t>
+            </a:fld>
+            <a:endParaRPr lang="zh-TW" altLang="en-US"/>
+          </a:p>
+        </p:txBody>
+      </p:sp>
+      <p:pic>
+        <p:nvPicPr>
+          <p:cNvPr id="1026" name="Picture 2" descr="Image result for Qt logo">
+            <a:extLst>
+              <a:ext uri="{FF2B5EF4-FFF2-40B4-BE49-F238E27FC236}">
+                <a16:creationId xmlns:a16="http://schemas.microsoft.com/office/drawing/2014/main" id="{5BB30E86-0076-AFE3-8108-81F5E04DE19B}"/>
+              </a:ext>
+            </a:extLst>
+          </p:cNvPr>
+          <p:cNvPicPr>
+            <a:picLocks noChangeAspect="1" noChangeArrowheads="1"/>
+          </p:cNvPicPr>
+          <p:nvPr/>
+        </p:nvPicPr>
+        <p:blipFill>
+          <a:blip r:embed="rId2">
+            <a:extLst>
+              <a:ext uri="{28A0092B-C50C-407E-A947-70E740481C1C}">
+                <a14:useLocalDpi xmlns:a14="http://schemas.microsoft.com/office/drawing/2010/main" val="0"/>
+              </a:ext>
+            </a:extLst>
+          </a:blip>
+          <a:srcRect/>
+          <a:stretch>
+            <a:fillRect/>
+          </a:stretch>
+        </p:blipFill>
+        <p:spPr bwMode="auto">
+          <a:xfrm>
+            <a:off x="3923928" y="3665344"/>
+            <a:ext cx="1296144" cy="950506"/>
+          </a:xfrm>
+          <a:prstGeom prst="rect">
+            <a:avLst/>
+          </a:prstGeom>
+          <a:noFill/>
+          <a:extLst>
+            <a:ext uri="{909E8E84-426E-40DD-AFC4-6F175D3DCCD1}">
+              <a14:hiddenFill xmlns:a14="http://schemas.microsoft.com/office/drawing/2010/main">
+                <a:solidFill>
+                  <a:srgbClr val="FFFFFF"/>
+                </a:solidFill>
+              </a14:hiddenFill>
+            </a:ext>
+          </a:extLst>
+        </p:spPr>
+      </p:pic>
+    </p:spTree>
+    <p:extLst>
+      <p:ext uri="{BB962C8B-B14F-4D97-AF65-F5344CB8AC3E}">
+        <p14:creationId xmlns:p14="http://schemas.microsoft.com/office/powerpoint/2010/main" val="3932637323"/>
+      </p:ext>
+    </p:extLst>
+  </p:cSld>
+  <p:clrMapOvr>
+    <a:masterClrMapping/>
+  </p:clrMapOvr>
+</p:sld>
+</file>
+
+<file path=ppt/slides/slide13.xml><?xml version="1.0" encoding="utf-8"?>
+<p:sld xmlns:a="http://schemas.openxmlformats.org/drawingml/2006/main" xmlns:r="http://schemas.openxmlformats.org/officeDocument/2006/relationships" xmlns:p="http://schemas.openxmlformats.org/presentationml/2006/main">
+  <p:cSld>
+    <p:spTree>
+      <p:nvGrpSpPr>
+        <p:cNvPr id="1" name=""/>
+        <p:cNvGrpSpPr/>
+        <p:nvPr/>
+      </p:nvGrpSpPr>
+      <p:grpSpPr>
+        <a:xfrm>
+          <a:off x="0" y="0"/>
+          <a:ext cx="0" cy="0"/>
+          <a:chOff x="0" y="0"/>
+          <a:chExt cx="0" cy="0"/>
+        </a:xfrm>
+      </p:grpSpPr>
+      <p:pic>
+        <p:nvPicPr>
+          <p:cNvPr id="9" name="Picture 8">
+            <a:extLst>
+              <a:ext uri="{FF2B5EF4-FFF2-40B4-BE49-F238E27FC236}">
+                <a16:creationId xmlns:a16="http://schemas.microsoft.com/office/drawing/2014/main" id="{2177D947-9582-E8CE-E2E5-DEED48029EBA}"/>
+              </a:ext>
+            </a:extLst>
+          </p:cNvPr>
+          <p:cNvPicPr>
+            <a:picLocks noChangeAspect="1"/>
+          </p:cNvPicPr>
+          <p:nvPr/>
+        </p:nvPicPr>
+        <p:blipFill>
+          <a:blip r:embed="rId2"/>
+          <a:stretch>
+            <a:fillRect/>
+          </a:stretch>
+        </p:blipFill>
+        <p:spPr>
+          <a:xfrm>
+            <a:off x="885825" y="3429000"/>
+            <a:ext cx="7372350" cy="2181225"/>
+          </a:xfrm>
+          <a:prstGeom prst="rect">
+            <a:avLst/>
+          </a:prstGeom>
+          <a:ln>
+            <a:solidFill>
+              <a:srgbClr val="C00000"/>
+            </a:solidFill>
+          </a:ln>
+        </p:spPr>
+      </p:pic>
+      <p:sp>
+        <p:nvSpPr>
+          <p:cNvPr id="2" name="標題 1"/>
+          <p:cNvSpPr>
+            <a:spLocks noGrp="1"/>
+          </p:cNvSpPr>
+          <p:nvPr>
+            <p:ph type="ctrTitle"/>
+          </p:nvPr>
+        </p:nvSpPr>
+        <p:spPr>
+          <a:xfrm>
+            <a:off x="0" y="1"/>
+            <a:ext cx="9144000" cy="764704"/>
+          </a:xfrm>
+          <a:gradFill flip="none" rotWithShape="1">
+            <a:gsLst>
+              <a:gs pos="0">
+                <a:srgbClr val="C00000">
+                  <a:shade val="30000"/>
+                  <a:satMod val="115000"/>
+                </a:srgbClr>
+              </a:gs>
+              <a:gs pos="50000">
+                <a:srgbClr val="C00000">
+                  <a:shade val="67500"/>
+                  <a:satMod val="115000"/>
+                </a:srgbClr>
+              </a:gs>
+              <a:gs pos="100000">
+                <a:srgbClr val="C00000">
+                  <a:shade val="100000"/>
+                  <a:satMod val="115000"/>
+                </a:srgbClr>
+              </a:gs>
+            </a:gsLst>
+            <a:path path="circle">
+              <a:fillToRect t="100000" r="100000"/>
+            </a:path>
+            <a:tileRect l="-100000" b="-100000"/>
+          </a:gradFill>
+        </p:spPr>
+        <p:txBody>
+          <a:bodyPr>
+            <a:normAutofit/>
+          </a:bodyPr>
+          <a:lstStyle/>
+          <a:p>
+            <a:pPr algn="l"/>
+            <a:r>
+              <a:rPr lang="en-US" altLang="zh-TW" sz="4000" b="1" dirty="0">
+                <a:solidFill>
+                  <a:srgbClr val="FFFF00"/>
+                </a:solidFill>
+              </a:rPr>
+              <a:t>506.4 Rerun Signal and Slot App</a:t>
+            </a:r>
+            <a:endParaRPr lang="zh-TW" altLang="en-US" sz="4000" b="1" dirty="0">
+              <a:solidFill>
+                <a:srgbClr val="FFFF00"/>
+              </a:solidFill>
+            </a:endParaRPr>
+          </a:p>
+        </p:txBody>
+      </p:sp>
+      <p:sp>
+        <p:nvSpPr>
+          <p:cNvPr id="3" name="副標題 2"/>
+          <p:cNvSpPr>
+            <a:spLocks noGrp="1"/>
+          </p:cNvSpPr>
+          <p:nvPr>
+            <p:ph type="subTitle" idx="1"/>
+          </p:nvPr>
+        </p:nvSpPr>
+        <p:spPr>
+          <a:xfrm>
+            <a:off x="438024" y="1250428"/>
+            <a:ext cx="8248776" cy="964928"/>
+          </a:xfrm>
+          <a:ln>
+            <a:solidFill>
+              <a:srgbClr val="C00000"/>
+            </a:solidFill>
+          </a:ln>
+        </p:spPr>
+        <p:txBody>
+          <a:bodyPr>
+            <a:noAutofit/>
+          </a:bodyPr>
+          <a:lstStyle/>
+          <a:p>
+            <a:pPr marL="342900" indent="-342900" algn="l">
+              <a:buClr>
+                <a:srgbClr val="0070C0"/>
+              </a:buClr>
+              <a:buSzPct val="80000"/>
+              <a:buFont typeface="Wingdings" pitchFamily="2" charset="2"/>
+              <a:buChar char="u"/>
+            </a:pPr>
+            <a:r>
+              <a:rPr lang="en-US" sz="1800" b="1" dirty="0">
+                <a:solidFill>
+                  <a:schemeClr val="tx1"/>
+                </a:solidFill>
+              </a:rPr>
+              <a:t>Rerun Signal and Slot App</a:t>
+            </a:r>
+          </a:p>
+          <a:p>
+            <a:pPr marL="342900" indent="-342900" algn="l">
+              <a:buClr>
+                <a:srgbClr val="0070C0"/>
+              </a:buClr>
+              <a:buSzPct val="80000"/>
+              <a:buFont typeface="Wingdings" pitchFamily="2" charset="2"/>
+              <a:buChar char="u"/>
+            </a:pPr>
+            <a:r>
+              <a:rPr lang="en-US" sz="1800" dirty="0">
+                <a:solidFill>
+                  <a:schemeClr val="tx1"/>
+                </a:solidFill>
+              </a:rPr>
+              <a:t>We run again.</a:t>
+            </a:r>
+          </a:p>
+          <a:p>
+            <a:pPr marL="342900" indent="-342900" algn="l">
+              <a:buClr>
+                <a:srgbClr val="0070C0"/>
+              </a:buClr>
+              <a:buSzPct val="80000"/>
+              <a:buFont typeface="Wingdings" pitchFamily="2" charset="2"/>
+              <a:buChar char="u"/>
+            </a:pPr>
+            <a:r>
+              <a:rPr lang="en-US" sz="1800" dirty="0">
+                <a:solidFill>
+                  <a:schemeClr val="tx1"/>
+                </a:solidFill>
+              </a:rPr>
+              <a:t>Then, we click and quit the program.</a:t>
+            </a:r>
+            <a:endParaRPr lang="en-US" sz="1800" dirty="0">
+              <a:solidFill>
+                <a:srgbClr val="C00000"/>
+              </a:solidFill>
+            </a:endParaRPr>
+          </a:p>
+          <a:p>
+            <a:pPr marL="342900" indent="-342900" algn="l">
+              <a:buClr>
+                <a:srgbClr val="0070C0"/>
+              </a:buClr>
+              <a:buSzPct val="80000"/>
+              <a:buFont typeface="Wingdings" pitchFamily="2" charset="2"/>
+              <a:buChar char="u"/>
+            </a:pPr>
+            <a:endParaRPr lang="en-US" sz="1800" dirty="0">
+              <a:solidFill>
+                <a:schemeClr val="tx1"/>
+              </a:solidFill>
+            </a:endParaRPr>
+          </a:p>
+        </p:txBody>
+      </p:sp>
+      <p:sp>
+        <p:nvSpPr>
+          <p:cNvPr id="4" name="標題 1"/>
+          <p:cNvSpPr txBox="1">
+            <a:spLocks/>
+          </p:cNvSpPr>
+          <p:nvPr/>
+        </p:nvSpPr>
+        <p:spPr>
+          <a:xfrm>
+            <a:off x="0" y="764704"/>
+            <a:ext cx="9144000" cy="360040"/>
+          </a:xfrm>
+          <a:prstGeom prst="rect">
+            <a:avLst/>
+          </a:prstGeom>
+          <a:gradFill flip="none" rotWithShape="1">
+            <a:gsLst>
+              <a:gs pos="0">
+                <a:srgbClr val="00B0F0">
+                  <a:shade val="30000"/>
+                  <a:satMod val="115000"/>
+                </a:srgbClr>
+              </a:gs>
+              <a:gs pos="50000">
+                <a:srgbClr val="00B0F0">
+                  <a:shade val="67500"/>
+                  <a:satMod val="115000"/>
+                </a:srgbClr>
+              </a:gs>
+              <a:gs pos="100000">
+                <a:srgbClr val="00B0F0">
+                  <a:shade val="100000"/>
+                  <a:satMod val="115000"/>
+                </a:srgbClr>
+              </a:gs>
+            </a:gsLst>
+            <a:path path="circle">
+              <a:fillToRect t="100000" r="100000"/>
+            </a:path>
+            <a:tileRect l="-100000" b="-100000"/>
+          </a:gradFill>
+        </p:spPr>
+        <p:txBody>
+          <a:bodyPr vert="horz" lIns="91440" tIns="45720" rIns="91440" bIns="45720" rtlCol="0" anchor="ctr">
+            <a:normAutofit/>
+          </a:bodyPr>
+          <a:lstStyle/>
+          <a:p>
+            <a:pPr lvl="0">
+              <a:spcBef>
+                <a:spcPct val="0"/>
+              </a:spcBef>
+            </a:pPr>
+            <a:r>
+              <a:rPr lang="en-US" sz="1600" dirty="0"/>
+              <a:t>https://www.youtube.com/watch?v=swZNOKKkQiw&amp;list=PLD0D54219E5F2544D&amp;index=6</a:t>
+            </a:r>
+            <a:endParaRPr kumimoji="0" lang="zh-TW" altLang="en-US" sz="1600" b="0" i="0" u="none" strike="noStrike" kern="1200" cap="none" spc="0" normalizeH="0" baseline="0" noProof="0" dirty="0">
+              <a:ln>
+                <a:noFill/>
+              </a:ln>
+              <a:solidFill>
+                <a:schemeClr val="tx1"/>
+              </a:solidFill>
+              <a:effectLst/>
+              <a:uLnTx/>
+              <a:uFillTx/>
+              <a:latin typeface="+mj-lt"/>
+              <a:ea typeface="+mj-ea"/>
+              <a:cs typeface="+mj-cs"/>
+            </a:endParaRPr>
+          </a:p>
+        </p:txBody>
+      </p:sp>
+      <p:sp>
+        <p:nvSpPr>
+          <p:cNvPr id="5" name="日期版面配置區 4"/>
+          <p:cNvSpPr>
+            <a:spLocks noGrp="1"/>
+          </p:cNvSpPr>
+          <p:nvPr>
+            <p:ph type="dt" sz="half" idx="10"/>
+          </p:nvPr>
+        </p:nvSpPr>
+        <p:spPr/>
+        <p:txBody>
+          <a:bodyPr/>
+          <a:lstStyle/>
+          <a:p>
+            <a:fld id="{A4F910E6-8D00-4BAF-8C48-9688E0B449D3}" type="datetime1">
+              <a:rPr lang="zh-TW" altLang="en-US" smtClean="0"/>
+              <a:pPr/>
+              <a:t>2022/10/31</a:t>
+            </a:fld>
+            <a:endParaRPr lang="zh-TW" altLang="en-US"/>
+          </a:p>
+        </p:txBody>
+      </p:sp>
+      <p:sp>
+        <p:nvSpPr>
+          <p:cNvPr id="6" name="投影片編號版面配置區 5"/>
+          <p:cNvSpPr>
+            <a:spLocks noGrp="1"/>
+          </p:cNvSpPr>
+          <p:nvPr>
+            <p:ph type="sldNum" sz="quarter" idx="12"/>
+          </p:nvPr>
+        </p:nvSpPr>
+        <p:spPr/>
+        <p:txBody>
+          <a:bodyPr/>
+          <a:lstStyle/>
+          <a:p>
+            <a:fld id="{E4D7E63D-91F2-4366-A2C4-1B00C9E2590E}" type="slidenum">
+              <a:rPr lang="zh-TW" altLang="en-US" smtClean="0"/>
+              <a:pPr/>
+              <a:t>13</a:t>
+            </a:fld>
+            <a:endParaRPr lang="zh-TW" altLang="en-US"/>
+          </a:p>
+        </p:txBody>
+      </p:sp>
+      <p:sp>
+        <p:nvSpPr>
+          <p:cNvPr id="8" name="Rectangle 7">
+            <a:extLst>
+              <a:ext uri="{FF2B5EF4-FFF2-40B4-BE49-F238E27FC236}">
+                <a16:creationId xmlns:a16="http://schemas.microsoft.com/office/drawing/2014/main" id="{275A914D-6C90-6558-CE97-ADB126214029}"/>
+              </a:ext>
+            </a:extLst>
+          </p:cNvPr>
+          <p:cNvSpPr/>
+          <p:nvPr/>
+        </p:nvSpPr>
+        <p:spPr>
+          <a:xfrm>
+            <a:off x="6021748" y="4519612"/>
+            <a:ext cx="720080" cy="194271"/>
+          </a:xfrm>
+          <a:prstGeom prst="rect">
+            <a:avLst/>
+          </a:prstGeom>
+          <a:noFill/>
+          <a:ln>
+            <a:solidFill>
+              <a:srgbClr val="C00000"/>
+            </a:solidFill>
+          </a:ln>
+        </p:spPr>
+        <p:style>
+          <a:lnRef idx="2">
+            <a:schemeClr val="accent1">
+              <a:shade val="50000"/>
+            </a:schemeClr>
+          </a:lnRef>
+          <a:fillRef idx="1">
+            <a:schemeClr val="accent1"/>
+          </a:fillRef>
+          <a:effectRef idx="0">
+            <a:schemeClr val="accent1"/>
+          </a:effectRef>
+          <a:fontRef idx="minor">
+            <a:schemeClr val="lt1"/>
+          </a:fontRef>
+        </p:style>
+        <p:txBody>
+          <a:bodyPr rtlCol="0" anchor="ctr"/>
+          <a:lstStyle/>
+          <a:p>
+            <a:pPr algn="ctr"/>
+            <a:endParaRPr lang="en-US"/>
+          </a:p>
+        </p:txBody>
+      </p:sp>
+      <p:sp>
+        <p:nvSpPr>
+          <p:cNvPr id="11" name="Rectangle 10">
+            <a:extLst>
+              <a:ext uri="{FF2B5EF4-FFF2-40B4-BE49-F238E27FC236}">
+                <a16:creationId xmlns:a16="http://schemas.microsoft.com/office/drawing/2014/main" id="{F0316C9B-7B03-5D57-94D7-39F297CB8626}"/>
+              </a:ext>
+            </a:extLst>
+          </p:cNvPr>
+          <p:cNvSpPr/>
+          <p:nvPr/>
+        </p:nvSpPr>
+        <p:spPr>
+          <a:xfrm>
+            <a:off x="3069420" y="4047479"/>
+            <a:ext cx="648072" cy="266279"/>
+          </a:xfrm>
+          <a:prstGeom prst="rect">
+            <a:avLst/>
+          </a:prstGeom>
+          <a:noFill/>
+          <a:ln>
+            <a:solidFill>
+              <a:srgbClr val="C00000"/>
+            </a:solidFill>
+          </a:ln>
+        </p:spPr>
+        <p:style>
+          <a:lnRef idx="2">
+            <a:schemeClr val="accent1">
+              <a:shade val="50000"/>
+            </a:schemeClr>
+          </a:lnRef>
+          <a:fillRef idx="1">
+            <a:schemeClr val="accent1"/>
+          </a:fillRef>
+          <a:effectRef idx="0">
+            <a:schemeClr val="accent1"/>
+          </a:effectRef>
+          <a:fontRef idx="minor">
+            <a:schemeClr val="lt1"/>
+          </a:fontRef>
+        </p:style>
+        <p:txBody>
+          <a:bodyPr rtlCol="0" anchor="ctr"/>
+          <a:lstStyle/>
+          <a:p>
+            <a:pPr algn="ctr"/>
+            <a:endParaRPr lang="en-US"/>
+          </a:p>
+        </p:txBody>
+      </p:sp>
+      <p:cxnSp>
+        <p:nvCxnSpPr>
+          <p:cNvPr id="13" name="Straight Arrow Connector 12">
+            <a:extLst>
+              <a:ext uri="{FF2B5EF4-FFF2-40B4-BE49-F238E27FC236}">
+                <a16:creationId xmlns:a16="http://schemas.microsoft.com/office/drawing/2014/main" id="{26491A1D-C1FD-D8EC-3F51-7391E28D64C9}"/>
+              </a:ext>
+            </a:extLst>
+          </p:cNvPr>
+          <p:cNvCxnSpPr>
+            <a:endCxn id="8" idx="1"/>
+          </p:cNvCxnSpPr>
+          <p:nvPr/>
+        </p:nvCxnSpPr>
+        <p:spPr>
+          <a:xfrm>
+            <a:off x="3717492" y="4191495"/>
+            <a:ext cx="2304256" cy="425253"/>
+          </a:xfrm>
+          <a:prstGeom prst="straightConnector1">
+            <a:avLst/>
+          </a:prstGeom>
+          <a:ln>
+            <a:tailEnd type="triangle"/>
+          </a:ln>
+        </p:spPr>
+        <p:style>
+          <a:lnRef idx="1">
+            <a:schemeClr val="accent2"/>
+          </a:lnRef>
+          <a:fillRef idx="0">
+            <a:schemeClr val="accent2"/>
+          </a:fillRef>
+          <a:effectRef idx="0">
+            <a:schemeClr val="accent2"/>
+          </a:effectRef>
+          <a:fontRef idx="minor">
+            <a:schemeClr val="tx1"/>
+          </a:fontRef>
+        </p:style>
+      </p:cxnSp>
+    </p:spTree>
+    <p:extLst>
+      <p:ext uri="{BB962C8B-B14F-4D97-AF65-F5344CB8AC3E}">
+        <p14:creationId xmlns:p14="http://schemas.microsoft.com/office/powerpoint/2010/main" val="516773629"/>
+      </p:ext>
+    </p:extLst>
+  </p:cSld>
+  <p:clrMapOvr>
+    <a:masterClrMapping/>
+  </p:clrMapOvr>
+</p:sld>
+</file>
+
+<file path=ppt/slides/slide14.xml><?xml version="1.0" encoding="utf-8"?>
+<p:sld xmlns:a="http://schemas.openxmlformats.org/drawingml/2006/main" xmlns:r="http://schemas.openxmlformats.org/officeDocument/2006/relationships" xmlns:p="http://schemas.openxmlformats.org/presentationml/2006/main">
+  <p:cSld>
+    <p:spTree>
+      <p:nvGrpSpPr>
+        <p:cNvPr id="1" name=""/>
+        <p:cNvGrpSpPr/>
+        <p:nvPr/>
+      </p:nvGrpSpPr>
+      <p:grpSpPr>
+        <a:xfrm>
+          <a:off x="0" y="0"/>
+          <a:ext cx="0" cy="0"/>
+          <a:chOff x="0" y="0"/>
+          <a:chExt cx="0" cy="0"/>
+        </a:xfrm>
+      </p:grpSpPr>
+      <p:sp>
+        <p:nvSpPr>
+          <p:cNvPr id="2" name="標題 1"/>
+          <p:cNvSpPr>
+            <a:spLocks noGrp="1"/>
+          </p:cNvSpPr>
+          <p:nvPr>
+            <p:ph type="ctrTitle"/>
+          </p:nvPr>
+        </p:nvSpPr>
+        <p:spPr>
+          <a:xfrm>
+            <a:off x="0" y="2130425"/>
+            <a:ext cx="9144000" cy="1470025"/>
+          </a:xfrm>
+          <a:solidFill>
+            <a:srgbClr val="00B0F0"/>
+          </a:solidFill>
+        </p:spPr>
+        <p:txBody>
+          <a:bodyPr>
+            <a:normAutofit/>
+          </a:bodyPr>
+          <a:lstStyle/>
+          <a:p>
+            <a:r>
+              <a:rPr lang="en-US" altLang="zh-TW" sz="4000" b="1" dirty="0">
+                <a:solidFill>
+                  <a:srgbClr val="FFFF00"/>
+                </a:solidFill>
+              </a:rPr>
+              <a:t>506.5 Summary</a:t>
+            </a:r>
+            <a:endParaRPr lang="zh-TW" altLang="en-US" sz="4000" b="1" dirty="0">
+              <a:solidFill>
+                <a:srgbClr val="FFFF00"/>
+              </a:solidFill>
+            </a:endParaRPr>
+          </a:p>
+        </p:txBody>
+      </p:sp>
+      <p:sp>
+        <p:nvSpPr>
+          <p:cNvPr id="5" name="日期版面配置區 4"/>
+          <p:cNvSpPr>
+            <a:spLocks noGrp="1"/>
+          </p:cNvSpPr>
+          <p:nvPr>
+            <p:ph type="dt" sz="half" idx="10"/>
+          </p:nvPr>
+        </p:nvSpPr>
+        <p:spPr/>
+        <p:txBody>
+          <a:bodyPr/>
+          <a:lstStyle/>
+          <a:p>
+            <a:fld id="{C389EDC9-19E3-47AC-9C57-C6A24DEA81AD}" type="datetime1">
+              <a:rPr lang="zh-TW" altLang="en-US" smtClean="0"/>
+              <a:pPr/>
+              <a:t>2022/10/31</a:t>
+            </a:fld>
+            <a:endParaRPr lang="zh-TW" altLang="en-US"/>
+          </a:p>
+        </p:txBody>
+      </p:sp>
+      <p:sp>
+        <p:nvSpPr>
+          <p:cNvPr id="6" name="投影片編號版面配置區 5"/>
+          <p:cNvSpPr>
+            <a:spLocks noGrp="1"/>
+          </p:cNvSpPr>
+          <p:nvPr>
+            <p:ph type="sldNum" sz="quarter" idx="12"/>
+          </p:nvPr>
+        </p:nvSpPr>
+        <p:spPr/>
+        <p:txBody>
+          <a:bodyPr/>
+          <a:lstStyle/>
+          <a:p>
+            <a:fld id="{E4D7E63D-91F2-4366-A2C4-1B00C9E2590E}" type="slidenum">
+              <a:rPr lang="zh-TW" altLang="en-US" smtClean="0"/>
+              <a:pPr/>
+              <a:t>14</a:t>
+            </a:fld>
+            <a:endParaRPr lang="zh-TW" altLang="en-US"/>
+          </a:p>
+        </p:txBody>
+      </p:sp>
+      <p:pic>
+        <p:nvPicPr>
+          <p:cNvPr id="1026" name="Picture 2" descr="Image result for Qt logo">
+            <a:extLst>
+              <a:ext uri="{FF2B5EF4-FFF2-40B4-BE49-F238E27FC236}">
+                <a16:creationId xmlns:a16="http://schemas.microsoft.com/office/drawing/2014/main" id="{5BB30E86-0076-AFE3-8108-81F5E04DE19B}"/>
+              </a:ext>
+            </a:extLst>
+          </p:cNvPr>
+          <p:cNvPicPr>
+            <a:picLocks noChangeAspect="1" noChangeArrowheads="1"/>
+          </p:cNvPicPr>
+          <p:nvPr/>
+        </p:nvPicPr>
+        <p:blipFill>
+          <a:blip r:embed="rId2">
+            <a:extLst>
+              <a:ext uri="{28A0092B-C50C-407E-A947-70E740481C1C}">
+                <a14:useLocalDpi xmlns:a14="http://schemas.microsoft.com/office/drawing/2010/main" val="0"/>
+              </a:ext>
+            </a:extLst>
+          </a:blip>
+          <a:srcRect/>
+          <a:stretch>
+            <a:fillRect/>
+          </a:stretch>
+        </p:blipFill>
+        <p:spPr bwMode="auto">
+          <a:xfrm>
+            <a:off x="3923928" y="3665344"/>
+            <a:ext cx="1296144" cy="950506"/>
+          </a:xfrm>
+          <a:prstGeom prst="rect">
+            <a:avLst/>
+          </a:prstGeom>
+          <a:noFill/>
+          <a:extLst>
+            <a:ext uri="{909E8E84-426E-40DD-AFC4-6F175D3DCCD1}">
+              <a14:hiddenFill xmlns:a14="http://schemas.microsoft.com/office/drawing/2010/main">
+                <a:solidFill>
+                  <a:srgbClr val="FFFFFF"/>
+                </a:solidFill>
+              </a14:hiddenFill>
+            </a:ext>
+          </a:extLst>
+        </p:spPr>
+      </p:pic>
+    </p:spTree>
+    <p:extLst>
+      <p:ext uri="{BB962C8B-B14F-4D97-AF65-F5344CB8AC3E}">
+        <p14:creationId xmlns:p14="http://schemas.microsoft.com/office/powerpoint/2010/main" val="3582428817"/>
+      </p:ext>
+    </p:extLst>
+  </p:cSld>
+  <p:clrMapOvr>
+    <a:masterClrMapping/>
+  </p:clrMapOvr>
+</p:sld>
+</file>
+
+<file path=ppt/slides/slide15.xml><?xml version="1.0" encoding="utf-8"?>
+<p:sld xmlns:a="http://schemas.openxmlformats.org/drawingml/2006/main" xmlns:r="http://schemas.openxmlformats.org/officeDocument/2006/relationships" xmlns:p="http://schemas.openxmlformats.org/presentationml/2006/main">
+  <p:cSld>
+    <p:spTree>
+      <p:nvGrpSpPr>
+        <p:cNvPr id="1" name=""/>
+        <p:cNvGrpSpPr/>
+        <p:nvPr/>
+      </p:nvGrpSpPr>
+      <p:grpSpPr>
+        <a:xfrm>
+          <a:off x="0" y="0"/>
+          <a:ext cx="0" cy="0"/>
+          <a:chOff x="0" y="0"/>
+          <a:chExt cx="0" cy="0"/>
+        </a:xfrm>
+      </p:grpSpPr>
+      <p:sp>
+        <p:nvSpPr>
+          <p:cNvPr id="2" name="標題 1"/>
+          <p:cNvSpPr>
+            <a:spLocks noGrp="1"/>
+          </p:cNvSpPr>
+          <p:nvPr>
+            <p:ph type="ctrTitle"/>
+          </p:nvPr>
+        </p:nvSpPr>
+        <p:spPr>
+          <a:xfrm>
+            <a:off x="0" y="1"/>
+            <a:ext cx="9144000" cy="764704"/>
+          </a:xfrm>
+          <a:gradFill flip="none" rotWithShape="1">
+            <a:gsLst>
+              <a:gs pos="0">
+                <a:srgbClr val="C00000">
+                  <a:shade val="30000"/>
+                  <a:satMod val="115000"/>
+                </a:srgbClr>
+              </a:gs>
+              <a:gs pos="50000">
+                <a:srgbClr val="C00000">
+                  <a:shade val="67500"/>
+                  <a:satMod val="115000"/>
+                </a:srgbClr>
+              </a:gs>
+              <a:gs pos="100000">
+                <a:srgbClr val="C00000">
+                  <a:shade val="100000"/>
+                  <a:satMod val="115000"/>
+                </a:srgbClr>
+              </a:gs>
+            </a:gsLst>
+            <a:path path="circle">
+              <a:fillToRect t="100000" r="100000"/>
+            </a:path>
+            <a:tileRect l="-100000" b="-100000"/>
+          </a:gradFill>
+        </p:spPr>
+        <p:txBody>
+          <a:bodyPr>
+            <a:normAutofit/>
+          </a:bodyPr>
+          <a:lstStyle/>
+          <a:p>
+            <a:pPr algn="l"/>
+            <a:r>
+              <a:rPr lang="en-US" altLang="zh-TW" sz="4000" b="1" dirty="0">
+                <a:solidFill>
+                  <a:srgbClr val="FFFF00"/>
+                </a:solidFill>
+              </a:rPr>
+              <a:t>506.5 Summary</a:t>
+            </a:r>
+            <a:endParaRPr lang="zh-TW" altLang="en-US" sz="4000" b="1" dirty="0">
+              <a:solidFill>
+                <a:srgbClr val="FFFF00"/>
+              </a:solidFill>
+            </a:endParaRPr>
+          </a:p>
+        </p:txBody>
+      </p:sp>
+      <p:sp>
+        <p:nvSpPr>
+          <p:cNvPr id="3" name="副標題 2"/>
+          <p:cNvSpPr>
+            <a:spLocks noGrp="1"/>
+          </p:cNvSpPr>
+          <p:nvPr>
+            <p:ph type="subTitle" idx="1"/>
+          </p:nvPr>
+        </p:nvSpPr>
+        <p:spPr>
+          <a:xfrm>
+            <a:off x="438024" y="1250428"/>
+            <a:ext cx="8248776" cy="1314476"/>
+          </a:xfrm>
+          <a:ln>
+            <a:solidFill>
+              <a:srgbClr val="C00000"/>
+            </a:solidFill>
+          </a:ln>
+        </p:spPr>
+        <p:txBody>
+          <a:bodyPr>
+            <a:noAutofit/>
+          </a:bodyPr>
+          <a:lstStyle/>
+          <a:p>
+            <a:pPr marL="342900" indent="-342900" algn="l">
+              <a:buClr>
+                <a:srgbClr val="0070C0"/>
+              </a:buClr>
+              <a:buSzPct val="80000"/>
+              <a:buFont typeface="Wingdings" pitchFamily="2" charset="2"/>
+              <a:buChar char="u"/>
+            </a:pPr>
+            <a:r>
+              <a:rPr lang="en-US" sz="1800" b="1" dirty="0">
+                <a:solidFill>
+                  <a:schemeClr val="tx1"/>
+                </a:solidFill>
+              </a:rPr>
+              <a:t>Summary</a:t>
+            </a:r>
+          </a:p>
+          <a:p>
+            <a:pPr marL="342900" indent="-342900" algn="l">
+              <a:buClr>
+                <a:srgbClr val="0070C0"/>
+              </a:buClr>
+              <a:buSzPct val="80000"/>
+              <a:buFont typeface="Wingdings" pitchFamily="2" charset="2"/>
+              <a:buChar char="u"/>
+            </a:pPr>
+            <a:r>
+              <a:rPr lang="en-US" sz="1800" dirty="0">
+                <a:solidFill>
+                  <a:schemeClr val="tx1"/>
+                </a:solidFill>
+              </a:rPr>
+              <a:t>In order to have user interaction, we need to have signals and slots.</a:t>
+            </a:r>
+          </a:p>
+          <a:p>
+            <a:pPr marL="342900" indent="-342900" algn="l">
+              <a:buClr>
+                <a:srgbClr val="0070C0"/>
+              </a:buClr>
+              <a:buSzPct val="80000"/>
+              <a:buFont typeface="Wingdings" pitchFamily="2" charset="2"/>
+              <a:buChar char="u"/>
+            </a:pPr>
+            <a:r>
+              <a:rPr lang="en-US" sz="1800" dirty="0">
+                <a:solidFill>
+                  <a:schemeClr val="tx1"/>
+                </a:solidFill>
+              </a:rPr>
+              <a:t>Signals is the event that user does, and the slot is the code to run whenever the user clicks the button.</a:t>
+            </a:r>
+            <a:endParaRPr lang="en-US" sz="1800" dirty="0">
+              <a:solidFill>
+                <a:srgbClr val="C00000"/>
+              </a:solidFill>
+            </a:endParaRPr>
+          </a:p>
+          <a:p>
+            <a:pPr marL="342900" indent="-342900" algn="l">
+              <a:buClr>
+                <a:srgbClr val="0070C0"/>
+              </a:buClr>
+              <a:buSzPct val="80000"/>
+              <a:buFont typeface="Wingdings" pitchFamily="2" charset="2"/>
+              <a:buChar char="u"/>
+            </a:pPr>
+            <a:endParaRPr lang="en-US" sz="1800" dirty="0">
+              <a:solidFill>
+                <a:schemeClr val="tx1"/>
+              </a:solidFill>
+            </a:endParaRPr>
+          </a:p>
+        </p:txBody>
+      </p:sp>
+      <p:sp>
+        <p:nvSpPr>
+          <p:cNvPr id="4" name="標題 1"/>
+          <p:cNvSpPr txBox="1">
+            <a:spLocks/>
+          </p:cNvSpPr>
+          <p:nvPr/>
+        </p:nvSpPr>
+        <p:spPr>
+          <a:xfrm>
+            <a:off x="0" y="764704"/>
+            <a:ext cx="9144000" cy="360040"/>
+          </a:xfrm>
+          <a:prstGeom prst="rect">
+            <a:avLst/>
+          </a:prstGeom>
+          <a:gradFill flip="none" rotWithShape="1">
+            <a:gsLst>
+              <a:gs pos="0">
+                <a:srgbClr val="00B0F0">
+                  <a:shade val="30000"/>
+                  <a:satMod val="115000"/>
+                </a:srgbClr>
+              </a:gs>
+              <a:gs pos="50000">
+                <a:srgbClr val="00B0F0">
+                  <a:shade val="67500"/>
+                  <a:satMod val="115000"/>
+                </a:srgbClr>
+              </a:gs>
+              <a:gs pos="100000">
+                <a:srgbClr val="00B0F0">
+                  <a:shade val="100000"/>
+                  <a:satMod val="115000"/>
+                </a:srgbClr>
+              </a:gs>
+            </a:gsLst>
+            <a:path path="circle">
+              <a:fillToRect t="100000" r="100000"/>
+            </a:path>
+            <a:tileRect l="-100000" b="-100000"/>
+          </a:gradFill>
+        </p:spPr>
+        <p:txBody>
+          <a:bodyPr vert="horz" lIns="91440" tIns="45720" rIns="91440" bIns="45720" rtlCol="0" anchor="ctr">
+            <a:normAutofit/>
+          </a:bodyPr>
+          <a:lstStyle/>
+          <a:p>
+            <a:pPr lvl="0">
+              <a:spcBef>
+                <a:spcPct val="0"/>
+              </a:spcBef>
+            </a:pPr>
+            <a:r>
+              <a:rPr lang="en-US" sz="1600" dirty="0"/>
+              <a:t>https://www.youtube.com/watch?v=swZNOKKkQiw&amp;list=PLD0D54219E5F2544D&amp;index=6</a:t>
+            </a:r>
+            <a:endParaRPr kumimoji="0" lang="zh-TW" altLang="en-US" sz="1600" b="0" i="0" u="none" strike="noStrike" kern="1200" cap="none" spc="0" normalizeH="0" baseline="0" noProof="0" dirty="0">
+              <a:ln>
+                <a:noFill/>
+              </a:ln>
+              <a:solidFill>
+                <a:schemeClr val="tx1"/>
+              </a:solidFill>
+              <a:effectLst/>
+              <a:uLnTx/>
+              <a:uFillTx/>
+              <a:latin typeface="+mj-lt"/>
+              <a:ea typeface="+mj-ea"/>
+              <a:cs typeface="+mj-cs"/>
+            </a:endParaRPr>
+          </a:p>
+        </p:txBody>
+      </p:sp>
+      <p:sp>
+        <p:nvSpPr>
+          <p:cNvPr id="5" name="日期版面配置區 4"/>
+          <p:cNvSpPr>
+            <a:spLocks noGrp="1"/>
+          </p:cNvSpPr>
+          <p:nvPr>
+            <p:ph type="dt" sz="half" idx="10"/>
+          </p:nvPr>
+        </p:nvSpPr>
+        <p:spPr/>
+        <p:txBody>
+          <a:bodyPr/>
+          <a:lstStyle/>
+          <a:p>
+            <a:fld id="{A4F910E6-8D00-4BAF-8C48-9688E0B449D3}" type="datetime1">
+              <a:rPr lang="zh-TW" altLang="en-US" smtClean="0"/>
+              <a:pPr/>
+              <a:t>2022/10/31</a:t>
+            </a:fld>
+            <a:endParaRPr lang="zh-TW" altLang="en-US"/>
+          </a:p>
+        </p:txBody>
+      </p:sp>
+      <p:sp>
+        <p:nvSpPr>
+          <p:cNvPr id="6" name="投影片編號版面配置區 5"/>
+          <p:cNvSpPr>
+            <a:spLocks noGrp="1"/>
+          </p:cNvSpPr>
+          <p:nvPr>
+            <p:ph type="sldNum" sz="quarter" idx="12"/>
+          </p:nvPr>
+        </p:nvSpPr>
+        <p:spPr/>
+        <p:txBody>
+          <a:bodyPr/>
+          <a:lstStyle/>
+          <a:p>
+            <a:fld id="{E4D7E63D-91F2-4366-A2C4-1B00C9E2590E}" type="slidenum">
+              <a:rPr lang="zh-TW" altLang="en-US" smtClean="0"/>
+              <a:pPr/>
+              <a:t>15</a:t>
+            </a:fld>
+            <a:endParaRPr lang="zh-TW" altLang="en-US"/>
+          </a:p>
+        </p:txBody>
+      </p:sp>
+      <p:pic>
+        <p:nvPicPr>
+          <p:cNvPr id="7" name="Picture 6">
+            <a:extLst>
+              <a:ext uri="{FF2B5EF4-FFF2-40B4-BE49-F238E27FC236}">
+                <a16:creationId xmlns:a16="http://schemas.microsoft.com/office/drawing/2014/main" id="{C4CD8CB6-DD7D-F041-4719-5E9ADCCB02D7}"/>
+              </a:ext>
+            </a:extLst>
+          </p:cNvPr>
+          <p:cNvPicPr>
+            <a:picLocks noChangeAspect="1"/>
+          </p:cNvPicPr>
+          <p:nvPr/>
+        </p:nvPicPr>
+        <p:blipFill>
+          <a:blip r:embed="rId2"/>
+          <a:stretch>
+            <a:fillRect/>
+          </a:stretch>
+        </p:blipFill>
+        <p:spPr>
+          <a:xfrm>
+            <a:off x="885825" y="3429000"/>
+            <a:ext cx="7372350" cy="2181225"/>
+          </a:xfrm>
+          <a:prstGeom prst="rect">
+            <a:avLst/>
+          </a:prstGeom>
+          <a:ln>
+            <a:solidFill>
+              <a:srgbClr val="C00000"/>
+            </a:solidFill>
+          </a:ln>
+        </p:spPr>
+      </p:pic>
+      <p:sp>
+        <p:nvSpPr>
+          <p:cNvPr id="10" name="Rectangle 9">
+            <a:extLst>
+              <a:ext uri="{FF2B5EF4-FFF2-40B4-BE49-F238E27FC236}">
+                <a16:creationId xmlns:a16="http://schemas.microsoft.com/office/drawing/2014/main" id="{A8F7FB0F-78B5-9A1C-2A84-D4E2DB74474F}"/>
+              </a:ext>
+            </a:extLst>
+          </p:cNvPr>
+          <p:cNvSpPr/>
+          <p:nvPr/>
+        </p:nvSpPr>
+        <p:spPr>
+          <a:xfrm>
+            <a:off x="4139952" y="4437112"/>
+            <a:ext cx="1800200" cy="360040"/>
+          </a:xfrm>
+          <a:prstGeom prst="rect">
+            <a:avLst/>
+          </a:prstGeom>
+          <a:noFill/>
+          <a:ln>
+            <a:solidFill>
+              <a:srgbClr val="C00000"/>
+            </a:solidFill>
+          </a:ln>
+        </p:spPr>
+        <p:style>
+          <a:lnRef idx="2">
+            <a:schemeClr val="accent1">
+              <a:shade val="50000"/>
+            </a:schemeClr>
+          </a:lnRef>
+          <a:fillRef idx="1">
+            <a:schemeClr val="accent1"/>
+          </a:fillRef>
+          <a:effectRef idx="0">
+            <a:schemeClr val="accent1"/>
+          </a:effectRef>
+          <a:fontRef idx="minor">
+            <a:schemeClr val="lt1"/>
+          </a:fontRef>
+        </p:style>
+        <p:txBody>
+          <a:bodyPr rtlCol="0" anchor="ctr"/>
+          <a:lstStyle/>
+          <a:p>
+            <a:pPr algn="ctr"/>
+            <a:endParaRPr lang="en-US"/>
+          </a:p>
+        </p:txBody>
+      </p:sp>
+      <p:sp>
+        <p:nvSpPr>
+          <p:cNvPr id="12" name="Rectangle 11">
+            <a:extLst>
+              <a:ext uri="{FF2B5EF4-FFF2-40B4-BE49-F238E27FC236}">
+                <a16:creationId xmlns:a16="http://schemas.microsoft.com/office/drawing/2014/main" id="{E6DAF468-A461-1770-DC65-8150F7D174FA}"/>
+              </a:ext>
+            </a:extLst>
+          </p:cNvPr>
+          <p:cNvSpPr/>
+          <p:nvPr/>
+        </p:nvSpPr>
+        <p:spPr>
+          <a:xfrm>
+            <a:off x="6553200" y="4437112"/>
+            <a:ext cx="1547192" cy="360040"/>
+          </a:xfrm>
+          <a:prstGeom prst="rect">
+            <a:avLst/>
+          </a:prstGeom>
+          <a:noFill/>
+          <a:ln>
+            <a:solidFill>
+              <a:srgbClr val="C00000"/>
+            </a:solidFill>
+          </a:ln>
+        </p:spPr>
+        <p:style>
+          <a:lnRef idx="2">
+            <a:schemeClr val="accent1">
+              <a:shade val="50000"/>
+            </a:schemeClr>
+          </a:lnRef>
+          <a:fillRef idx="1">
+            <a:schemeClr val="accent1"/>
+          </a:fillRef>
+          <a:effectRef idx="0">
+            <a:schemeClr val="accent1"/>
+          </a:effectRef>
+          <a:fontRef idx="minor">
+            <a:schemeClr val="lt1"/>
+          </a:fontRef>
+        </p:style>
+        <p:txBody>
+          <a:bodyPr rtlCol="0" anchor="ctr"/>
+          <a:lstStyle/>
+          <a:p>
+            <a:pPr algn="ctr"/>
+            <a:endParaRPr lang="en-US"/>
+          </a:p>
+        </p:txBody>
+      </p:sp>
+      <p:sp>
+        <p:nvSpPr>
+          <p:cNvPr id="14" name="Rectangle 13">
+            <a:extLst>
+              <a:ext uri="{FF2B5EF4-FFF2-40B4-BE49-F238E27FC236}">
+                <a16:creationId xmlns:a16="http://schemas.microsoft.com/office/drawing/2014/main" id="{A3AFD155-00D7-D3BC-38F2-01FBC4836E5A}"/>
+              </a:ext>
+            </a:extLst>
+          </p:cNvPr>
+          <p:cNvSpPr/>
+          <p:nvPr/>
+        </p:nvSpPr>
+        <p:spPr>
+          <a:xfrm>
+            <a:off x="1979712" y="1870869"/>
+            <a:ext cx="2016224" cy="406003"/>
+          </a:xfrm>
+          <a:prstGeom prst="rect">
+            <a:avLst/>
+          </a:prstGeom>
+          <a:noFill/>
+          <a:ln>
+            <a:solidFill>
+              <a:srgbClr val="C00000"/>
+            </a:solidFill>
+          </a:ln>
+        </p:spPr>
+        <p:style>
+          <a:lnRef idx="2">
+            <a:schemeClr val="accent1">
+              <a:shade val="50000"/>
+            </a:schemeClr>
+          </a:lnRef>
+          <a:fillRef idx="1">
+            <a:schemeClr val="accent1"/>
+          </a:fillRef>
+          <a:effectRef idx="0">
+            <a:schemeClr val="accent1"/>
+          </a:effectRef>
+          <a:fontRef idx="minor">
+            <a:schemeClr val="lt1"/>
+          </a:fontRef>
+        </p:style>
+        <p:txBody>
+          <a:bodyPr rtlCol="0" anchor="ctr"/>
+          <a:lstStyle/>
+          <a:p>
+            <a:pPr algn="ctr"/>
+            <a:endParaRPr lang="en-US"/>
+          </a:p>
+        </p:txBody>
+      </p:sp>
+      <p:sp>
+        <p:nvSpPr>
+          <p:cNvPr id="15" name="Rectangle 14">
+            <a:extLst>
+              <a:ext uri="{FF2B5EF4-FFF2-40B4-BE49-F238E27FC236}">
+                <a16:creationId xmlns:a16="http://schemas.microsoft.com/office/drawing/2014/main" id="{17A36B64-CD79-96BB-6939-C1707712B81C}"/>
+              </a:ext>
+            </a:extLst>
+          </p:cNvPr>
+          <p:cNvSpPr/>
+          <p:nvPr/>
+        </p:nvSpPr>
+        <p:spPr>
+          <a:xfrm>
+            <a:off x="4716016" y="1870869"/>
+            <a:ext cx="2232248" cy="406003"/>
+          </a:xfrm>
+          <a:prstGeom prst="rect">
+            <a:avLst/>
+          </a:prstGeom>
+          <a:noFill/>
+          <a:ln>
+            <a:solidFill>
+              <a:srgbClr val="C00000"/>
+            </a:solidFill>
+          </a:ln>
+        </p:spPr>
+        <p:style>
+          <a:lnRef idx="2">
+            <a:schemeClr val="accent1">
+              <a:shade val="50000"/>
+            </a:schemeClr>
+          </a:lnRef>
+          <a:fillRef idx="1">
+            <a:schemeClr val="accent1"/>
+          </a:fillRef>
+          <a:effectRef idx="0">
+            <a:schemeClr val="accent1"/>
+          </a:effectRef>
+          <a:fontRef idx="minor">
+            <a:schemeClr val="lt1"/>
+          </a:fontRef>
+        </p:style>
+        <p:txBody>
+          <a:bodyPr rtlCol="0" anchor="ctr"/>
+          <a:lstStyle/>
+          <a:p>
+            <a:pPr algn="ctr"/>
+            <a:endParaRPr lang="en-US"/>
+          </a:p>
+        </p:txBody>
+      </p:sp>
+      <p:cxnSp>
+        <p:nvCxnSpPr>
+          <p:cNvPr id="17" name="Straight Arrow Connector 16">
+            <a:extLst>
+              <a:ext uri="{FF2B5EF4-FFF2-40B4-BE49-F238E27FC236}">
+                <a16:creationId xmlns:a16="http://schemas.microsoft.com/office/drawing/2014/main" id="{BA5BA9FC-99F8-0181-DC04-AAF70B1CE491}"/>
+              </a:ext>
+            </a:extLst>
+          </p:cNvPr>
+          <p:cNvCxnSpPr>
+            <a:stCxn id="14" idx="2"/>
+            <a:endCxn id="10" idx="0"/>
+          </p:cNvCxnSpPr>
+          <p:nvPr/>
+        </p:nvCxnSpPr>
+        <p:spPr>
+          <a:xfrm>
+            <a:off x="2987824" y="2276872"/>
+            <a:ext cx="2052228" cy="2160240"/>
+          </a:xfrm>
+          <a:prstGeom prst="straightConnector1">
+            <a:avLst/>
+          </a:prstGeom>
+          <a:ln>
+            <a:tailEnd type="triangle"/>
+          </a:ln>
+        </p:spPr>
+        <p:style>
+          <a:lnRef idx="1">
+            <a:schemeClr val="accent2"/>
+          </a:lnRef>
+          <a:fillRef idx="0">
+            <a:schemeClr val="accent2"/>
+          </a:fillRef>
+          <a:effectRef idx="0">
+            <a:schemeClr val="accent2"/>
+          </a:effectRef>
+          <a:fontRef idx="minor">
+            <a:schemeClr val="tx1"/>
+          </a:fontRef>
+        </p:style>
+      </p:cxnSp>
+      <p:cxnSp>
+        <p:nvCxnSpPr>
+          <p:cNvPr id="19" name="Straight Arrow Connector 18">
+            <a:extLst>
+              <a:ext uri="{FF2B5EF4-FFF2-40B4-BE49-F238E27FC236}">
+                <a16:creationId xmlns:a16="http://schemas.microsoft.com/office/drawing/2014/main" id="{AFC1FC1F-6EB5-CAA2-7541-B0C11F7CC1D8}"/>
+              </a:ext>
+            </a:extLst>
+          </p:cNvPr>
+          <p:cNvCxnSpPr>
+            <a:stCxn id="15" idx="2"/>
+            <a:endCxn id="12" idx="0"/>
+          </p:cNvCxnSpPr>
+          <p:nvPr/>
+        </p:nvCxnSpPr>
+        <p:spPr>
+          <a:xfrm>
+            <a:off x="5832140" y="2276872"/>
+            <a:ext cx="1494656" cy="2160240"/>
+          </a:xfrm>
+          <a:prstGeom prst="straightConnector1">
+            <a:avLst/>
+          </a:prstGeom>
+          <a:ln>
+            <a:tailEnd type="triangle"/>
+          </a:ln>
+        </p:spPr>
+        <p:style>
+          <a:lnRef idx="1">
+            <a:schemeClr val="accent2"/>
+          </a:lnRef>
+          <a:fillRef idx="0">
+            <a:schemeClr val="accent2"/>
+          </a:fillRef>
+          <a:effectRef idx="0">
+            <a:schemeClr val="accent2"/>
+          </a:effectRef>
+          <a:fontRef idx="minor">
+            <a:schemeClr val="tx1"/>
+          </a:fontRef>
+        </p:style>
+      </p:cxnSp>
+    </p:spTree>
+    <p:extLst>
+      <p:ext uri="{BB962C8B-B14F-4D97-AF65-F5344CB8AC3E}">
+        <p14:creationId xmlns:p14="http://schemas.microsoft.com/office/powerpoint/2010/main" val="1230579548"/>
+      </p:ext>
+    </p:extLst>
+  </p:cSld>
+  <p:clrMapOvr>
+    <a:masterClrMapping/>
+  </p:clrMapOvr>
+</p:sld>
+</file>
+
+<file path=ppt/slides/slide16.xml><?xml version="1.0" encoding="utf-8"?>
+<p:sld xmlns:a="http://schemas.openxmlformats.org/drawingml/2006/main" xmlns:r="http://schemas.openxmlformats.org/officeDocument/2006/relationships" xmlns:p="http://schemas.openxmlformats.org/presentationml/2006/main">
+  <p:cSld>
+    <p:spTree>
+      <p:nvGrpSpPr>
+        <p:cNvPr id="1" name=""/>
+        <p:cNvGrpSpPr/>
+        <p:nvPr/>
+      </p:nvGrpSpPr>
+      <p:grpSpPr>
+        <a:xfrm>
+          <a:off x="0" y="0"/>
+          <a:ext cx="0" cy="0"/>
+          <a:chOff x="0" y="0"/>
+          <a:chExt cx="0" cy="0"/>
+        </a:xfrm>
+      </p:grpSpPr>
+      <p:sp>
+        <p:nvSpPr>
+          <p:cNvPr id="2" name="標題 1"/>
+          <p:cNvSpPr>
+            <a:spLocks noGrp="1"/>
+          </p:cNvSpPr>
+          <p:nvPr>
+            <p:ph type="ctrTitle"/>
+          </p:nvPr>
+        </p:nvSpPr>
+        <p:spPr>
+          <a:xfrm>
+            <a:off x="0" y="2130425"/>
+            <a:ext cx="9144000" cy="1470025"/>
+          </a:xfrm>
+          <a:gradFill flip="none" rotWithShape="1">
+            <a:gsLst>
+              <a:gs pos="0">
+                <a:srgbClr val="00B0F0">
+                  <a:shade val="30000"/>
+                  <a:satMod val="115000"/>
+                </a:srgbClr>
+              </a:gs>
+              <a:gs pos="50000">
+                <a:srgbClr val="00B0F0">
+                  <a:shade val="67500"/>
+                  <a:satMod val="115000"/>
+                </a:srgbClr>
+              </a:gs>
+              <a:gs pos="100000">
+                <a:srgbClr val="00B0F0">
+                  <a:shade val="100000"/>
+                  <a:satMod val="115000"/>
+                </a:srgbClr>
+              </a:gs>
+            </a:gsLst>
+            <a:path path="circle">
+              <a:fillToRect t="100000" r="100000"/>
+            </a:path>
+            <a:tileRect l="-100000" b="-100000"/>
+          </a:gradFill>
+        </p:spPr>
+        <p:txBody>
+          <a:bodyPr>
+            <a:normAutofit/>
+          </a:bodyPr>
+          <a:lstStyle/>
+          <a:p>
+            <a:r>
+              <a:rPr lang="en-US" altLang="zh-TW" sz="6000" b="1">
+                <a:solidFill>
+                  <a:srgbClr val="FFFF00"/>
+                </a:solidFill>
+              </a:rPr>
+              <a:t>End</a:t>
+            </a:r>
+            <a:endParaRPr lang="zh-TW" altLang="en-US" sz="6000" b="1" dirty="0">
+              <a:solidFill>
+                <a:srgbClr val="FFFF00"/>
+              </a:solidFill>
+            </a:endParaRPr>
+          </a:p>
+        </p:txBody>
+      </p:sp>
+      <p:sp>
+        <p:nvSpPr>
+          <p:cNvPr id="5" name="日期版面配置區 4"/>
+          <p:cNvSpPr>
+            <a:spLocks noGrp="1"/>
+          </p:cNvSpPr>
+          <p:nvPr>
+            <p:ph type="dt" sz="half" idx="10"/>
+          </p:nvPr>
+        </p:nvSpPr>
+        <p:spPr/>
+        <p:txBody>
+          <a:bodyPr/>
+          <a:lstStyle/>
+          <a:p>
+            <a:fld id="{4E46BE27-E923-4EC2-B046-3272AE2A3E5C}" type="datetime1">
+              <a:rPr lang="zh-TW" altLang="en-US" smtClean="0"/>
+              <a:pPr/>
+              <a:t>2022/10/31</a:t>
+            </a:fld>
+            <a:endParaRPr lang="zh-TW" altLang="en-US"/>
+          </a:p>
+        </p:txBody>
+      </p:sp>
+      <p:sp>
+        <p:nvSpPr>
+          <p:cNvPr id="6" name="投影片編號版面配置區 5"/>
+          <p:cNvSpPr>
+            <a:spLocks noGrp="1"/>
+          </p:cNvSpPr>
+          <p:nvPr>
+            <p:ph type="sldNum" sz="quarter" idx="12"/>
+          </p:nvPr>
+        </p:nvSpPr>
+        <p:spPr/>
+        <p:txBody>
+          <a:bodyPr/>
+          <a:lstStyle/>
+          <a:p>
+            <a:fld id="{E4D7E63D-91F2-4366-A2C4-1B00C9E2590E}" type="slidenum">
+              <a:rPr lang="zh-TW" altLang="en-US" smtClean="0"/>
+              <a:pPr/>
+              <a:t>16</a:t>
+            </a:fld>
+            <a:endParaRPr lang="zh-TW" altLang="en-US"/>
+          </a:p>
+        </p:txBody>
+      </p:sp>
+    </p:spTree>
+  </p:cSld>
+  <p:clrMapOvr>
+    <a:masterClrMapping/>
+  </p:clrMapOvr>
+</p:sld>
+</file>
+
+<file path=ppt/slides/slide2.xml><?xml version="1.0" encoding="utf-8"?>
+<p:sld xmlns:a="http://schemas.openxmlformats.org/drawingml/2006/main" xmlns:r="http://schemas.openxmlformats.org/officeDocument/2006/relationships" xmlns:p="http://schemas.openxmlformats.org/presentationml/2006/main">
+  <p:cSld>
+    <p:spTree>
+      <p:nvGrpSpPr>
+        <p:cNvPr id="1" name=""/>
+        <p:cNvGrpSpPr/>
+        <p:nvPr/>
+      </p:nvGrpSpPr>
+      <p:grpSpPr>
+        <a:xfrm>
+          <a:off x="0" y="0"/>
+          <a:ext cx="0" cy="0"/>
+          <a:chOff x="0" y="0"/>
+          <a:chExt cx="0" cy="0"/>
+        </a:xfrm>
+      </p:grpSpPr>
+      <p:sp>
+        <p:nvSpPr>
+          <p:cNvPr id="2" name="標題 1"/>
+          <p:cNvSpPr>
+            <a:spLocks noGrp="1"/>
+          </p:cNvSpPr>
+          <p:nvPr>
+            <p:ph type="ctrTitle"/>
+          </p:nvPr>
+        </p:nvSpPr>
+        <p:spPr>
+          <a:xfrm>
+            <a:off x="0" y="1"/>
+            <a:ext cx="9144000" cy="764704"/>
+          </a:xfrm>
+          <a:gradFill flip="none" rotWithShape="1">
+            <a:gsLst>
+              <a:gs pos="0">
+                <a:srgbClr val="C00000">
+                  <a:shade val="30000"/>
+                  <a:satMod val="115000"/>
+                </a:srgbClr>
+              </a:gs>
+              <a:gs pos="50000">
+                <a:srgbClr val="C00000">
+                  <a:shade val="67500"/>
+                  <a:satMod val="115000"/>
+                </a:srgbClr>
+              </a:gs>
+              <a:gs pos="100000">
+                <a:srgbClr val="C00000">
+                  <a:shade val="100000"/>
+                  <a:satMod val="115000"/>
+                </a:srgbClr>
+              </a:gs>
+            </a:gsLst>
+            <a:path path="circle">
+              <a:fillToRect t="100000" r="100000"/>
+            </a:path>
+            <a:tileRect l="-100000" b="-100000"/>
+          </a:gradFill>
+        </p:spPr>
+        <p:txBody>
+          <a:bodyPr>
+            <a:normAutofit/>
+          </a:bodyPr>
+          <a:lstStyle/>
+          <a:p>
+            <a:pPr algn="l"/>
+            <a:r>
+              <a:rPr lang="en-US" altLang="zh-TW" sz="4000" b="1" dirty="0">
+                <a:solidFill>
+                  <a:srgbClr val="FFFF00"/>
+                </a:solidFill>
+              </a:rPr>
+              <a:t>506 Signal and Slot</a:t>
+            </a:r>
+            <a:endParaRPr lang="zh-TW" altLang="en-US" sz="4000" b="1" dirty="0">
+              <a:solidFill>
+                <a:srgbClr val="FFFF00"/>
+              </a:solidFill>
+            </a:endParaRPr>
+          </a:p>
+        </p:txBody>
+      </p:sp>
+      <p:sp>
+        <p:nvSpPr>
+          <p:cNvPr id="3" name="副標題 2"/>
+          <p:cNvSpPr>
+            <a:spLocks noGrp="1"/>
+          </p:cNvSpPr>
+          <p:nvPr>
+            <p:ph type="subTitle" idx="1"/>
+          </p:nvPr>
+        </p:nvSpPr>
+        <p:spPr>
+          <a:xfrm>
+            <a:off x="467543" y="1268757"/>
+            <a:ext cx="8241831" cy="1368155"/>
+          </a:xfrm>
+          <a:ln>
+            <a:solidFill>
+              <a:srgbClr val="C00000"/>
+            </a:solidFill>
+          </a:ln>
+        </p:spPr>
+        <p:txBody>
+          <a:bodyPr>
+            <a:noAutofit/>
+          </a:bodyPr>
+          <a:lstStyle/>
+          <a:p>
+            <a:pPr marL="342900" indent="-342900" algn="l">
+              <a:buClr>
+                <a:srgbClr val="0070C0"/>
+              </a:buClr>
+              <a:buSzPct val="80000"/>
+              <a:buFont typeface="Wingdings" pitchFamily="2" charset="2"/>
+              <a:buChar char="u"/>
+            </a:pPr>
+            <a:r>
+              <a:rPr lang="en-US" sz="1800" b="1" dirty="0">
+                <a:solidFill>
+                  <a:schemeClr val="tx1"/>
+                </a:solidFill>
+              </a:rPr>
+              <a:t>Signal and Slot</a:t>
+            </a:r>
+          </a:p>
+          <a:p>
+            <a:pPr marL="342900" indent="-342900" algn="l">
+              <a:buClr>
+                <a:srgbClr val="0070C0"/>
+              </a:buClr>
+              <a:buSzPct val="80000"/>
+              <a:buFont typeface="Wingdings" pitchFamily="2" charset="2"/>
+              <a:buChar char="u"/>
+            </a:pPr>
+            <a:r>
+              <a:rPr lang="en-US" sz="1800" dirty="0">
+                <a:solidFill>
+                  <a:schemeClr val="tx1"/>
+                </a:solidFill>
+              </a:rPr>
+              <a:t>We discuss Signals and Slots.</a:t>
+            </a:r>
+          </a:p>
+          <a:p>
+            <a:pPr marL="342900" indent="-342900" algn="l">
+              <a:buClr>
+                <a:srgbClr val="0070C0"/>
+              </a:buClr>
+              <a:buSzPct val="80000"/>
+              <a:buFont typeface="Wingdings" pitchFamily="2" charset="2"/>
+              <a:buChar char="u"/>
+            </a:pPr>
+            <a:r>
+              <a:rPr lang="en-US" sz="1800" dirty="0">
+                <a:solidFill>
+                  <a:schemeClr val="tx1"/>
+                </a:solidFill>
+              </a:rPr>
+              <a:t>We create 06_Signal_Slot project and copy main.cpp from 05_Operator_Difference project.</a:t>
+            </a:r>
+          </a:p>
+        </p:txBody>
+      </p:sp>
+      <p:sp>
+        <p:nvSpPr>
+          <p:cNvPr id="4" name="標題 1"/>
+          <p:cNvSpPr txBox="1">
+            <a:spLocks/>
+          </p:cNvSpPr>
+          <p:nvPr/>
+        </p:nvSpPr>
+        <p:spPr>
+          <a:xfrm>
+            <a:off x="0" y="764704"/>
+            <a:ext cx="9144000" cy="360040"/>
+          </a:xfrm>
+          <a:prstGeom prst="rect">
+            <a:avLst/>
+          </a:prstGeom>
+          <a:gradFill flip="none" rotWithShape="1">
+            <a:gsLst>
+              <a:gs pos="0">
+                <a:srgbClr val="00B0F0">
+                  <a:shade val="30000"/>
+                  <a:satMod val="115000"/>
+                </a:srgbClr>
+              </a:gs>
+              <a:gs pos="50000">
+                <a:srgbClr val="00B0F0">
+                  <a:shade val="67500"/>
+                  <a:satMod val="115000"/>
+                </a:srgbClr>
+              </a:gs>
+              <a:gs pos="100000">
+                <a:srgbClr val="00B0F0">
+                  <a:shade val="100000"/>
+                  <a:satMod val="115000"/>
+                </a:srgbClr>
+              </a:gs>
+            </a:gsLst>
+            <a:path path="circle">
+              <a:fillToRect t="100000" r="100000"/>
+            </a:path>
+            <a:tileRect l="-100000" b="-100000"/>
+          </a:gradFill>
+        </p:spPr>
+        <p:txBody>
+          <a:bodyPr vert="horz" lIns="91440" tIns="45720" rIns="91440" bIns="45720" rtlCol="0" anchor="ctr">
+            <a:normAutofit/>
+          </a:bodyPr>
+          <a:lstStyle/>
+          <a:p>
+            <a:pPr lvl="0">
+              <a:spcBef>
+                <a:spcPct val="0"/>
+              </a:spcBef>
+            </a:pPr>
+            <a:r>
+              <a:rPr lang="en-US" sz="1600" dirty="0"/>
+              <a:t>https://www.youtube.com/watch?v=swZNOKKkQiw&amp;list=PLD0D54219E5F2544D&amp;index=6</a:t>
+            </a:r>
+            <a:endParaRPr kumimoji="0" lang="zh-TW" altLang="en-US" sz="1600" b="0" i="0" u="none" strike="noStrike" kern="1200" cap="none" spc="0" normalizeH="0" baseline="0" noProof="0" dirty="0">
+              <a:ln>
+                <a:noFill/>
+              </a:ln>
+              <a:solidFill>
+                <a:schemeClr val="tx1"/>
+              </a:solidFill>
+              <a:effectLst/>
+              <a:uLnTx/>
+              <a:uFillTx/>
+              <a:latin typeface="+mj-lt"/>
+              <a:ea typeface="+mj-ea"/>
+              <a:cs typeface="+mj-cs"/>
+            </a:endParaRPr>
+          </a:p>
+        </p:txBody>
+      </p:sp>
+      <p:sp>
+        <p:nvSpPr>
+          <p:cNvPr id="5" name="日期版面配置區 4"/>
+          <p:cNvSpPr>
+            <a:spLocks noGrp="1"/>
+          </p:cNvSpPr>
+          <p:nvPr>
+            <p:ph type="dt" sz="half" idx="10"/>
+          </p:nvPr>
+        </p:nvSpPr>
+        <p:spPr/>
+        <p:txBody>
+          <a:bodyPr/>
+          <a:lstStyle/>
+          <a:p>
+            <a:fld id="{A4F910E6-8D00-4BAF-8C48-9688E0B449D3}" type="datetime1">
+              <a:rPr lang="zh-TW" altLang="en-US" smtClean="0"/>
+              <a:pPr/>
+              <a:t>2022/10/31</a:t>
+            </a:fld>
+            <a:endParaRPr lang="zh-TW" altLang="en-US"/>
+          </a:p>
+        </p:txBody>
+      </p:sp>
+      <p:sp>
+        <p:nvSpPr>
+          <p:cNvPr id="6" name="投影片編號版面配置區 5"/>
+          <p:cNvSpPr>
+            <a:spLocks noGrp="1"/>
+          </p:cNvSpPr>
+          <p:nvPr>
+            <p:ph type="sldNum" sz="quarter" idx="12"/>
+          </p:nvPr>
+        </p:nvSpPr>
+        <p:spPr/>
+        <p:txBody>
+          <a:bodyPr/>
+          <a:lstStyle/>
+          <a:p>
+            <a:fld id="{E4D7E63D-91F2-4366-A2C4-1B00C9E2590E}" type="slidenum">
+              <a:rPr lang="zh-TW" altLang="en-US" smtClean="0"/>
+              <a:pPr/>
               <a:t>2</a:t>
             </a:fld>
             <a:endParaRPr lang="zh-TW" altLang="en-US"/>
           </a:p>
         </p:txBody>
       </p:sp>
+      <p:pic>
+        <p:nvPicPr>
+          <p:cNvPr id="10" name="Picture 9">
+            <a:extLst>
+              <a:ext uri="{FF2B5EF4-FFF2-40B4-BE49-F238E27FC236}">
+                <a16:creationId xmlns:a16="http://schemas.microsoft.com/office/drawing/2014/main" id="{092DE944-C2F2-C12A-F854-6A2E7D950419}"/>
+              </a:ext>
+            </a:extLst>
+          </p:cNvPr>
+          <p:cNvPicPr>
+            <a:picLocks noChangeAspect="1"/>
+          </p:cNvPicPr>
+          <p:nvPr/>
+        </p:nvPicPr>
+        <p:blipFill>
+          <a:blip r:embed="rId2"/>
+          <a:stretch>
+            <a:fillRect/>
+          </a:stretch>
+        </p:blipFill>
+        <p:spPr>
+          <a:xfrm>
+            <a:off x="1979712" y="3110632"/>
+            <a:ext cx="4819650" cy="1733550"/>
+          </a:xfrm>
+          <a:prstGeom prst="rect">
+            <a:avLst/>
+          </a:prstGeom>
+          <a:ln>
+            <a:solidFill>
+              <a:srgbClr val="C00000"/>
+            </a:solidFill>
+          </a:ln>
+        </p:spPr>
+      </p:pic>
     </p:spTree>
     <p:extLst>
       <p:ext uri="{BB962C8B-B14F-4D97-AF65-F5344CB8AC3E}">
@@ -3947,172 +6239,6 @@
         </p:nvSpPr>
         <p:spPr>
           <a:xfrm>
-            <a:off x="0" y="2130425"/>
-            <a:ext cx="9144000" cy="1470025"/>
-          </a:xfrm>
-          <a:solidFill>
-            <a:srgbClr val="00B0F0"/>
-          </a:solidFill>
-        </p:spPr>
-        <p:txBody>
-          <a:bodyPr>
-            <a:normAutofit/>
-          </a:bodyPr>
-          <a:lstStyle/>
-          <a:p>
-            <a:r>
-              <a:rPr lang="en-US" altLang="zh-TW" sz="4000" b="1" dirty="0">
-                <a:solidFill>
-                  <a:srgbClr val="FFFF00"/>
-                </a:solidFill>
-              </a:rPr>
-              <a:t>506.1 Double Columns (::) Operator</a:t>
-            </a:r>
-            <a:endParaRPr lang="zh-TW" altLang="en-US" sz="4000" b="1" dirty="0">
-              <a:solidFill>
-                <a:srgbClr val="FFFF00"/>
-              </a:solidFill>
-            </a:endParaRPr>
-          </a:p>
-        </p:txBody>
-      </p:sp>
-      <p:sp>
-        <p:nvSpPr>
-          <p:cNvPr id="5" name="日期版面配置區 4"/>
-          <p:cNvSpPr>
-            <a:spLocks noGrp="1"/>
-          </p:cNvSpPr>
-          <p:nvPr>
-            <p:ph type="dt" sz="half" idx="10"/>
-          </p:nvPr>
-        </p:nvSpPr>
-        <p:spPr/>
-        <p:txBody>
-          <a:bodyPr/>
-          <a:lstStyle/>
-          <a:p>
-            <a:fld id="{C389EDC9-19E3-47AC-9C57-C6A24DEA81AD}" type="datetime1">
-              <a:rPr lang="zh-TW" altLang="en-US" smtClean="0"/>
-              <a:pPr/>
-              <a:t>2022/10/31</a:t>
-            </a:fld>
-            <a:endParaRPr lang="zh-TW" altLang="en-US"/>
-          </a:p>
-        </p:txBody>
-      </p:sp>
-      <p:sp>
-        <p:nvSpPr>
-          <p:cNvPr id="6" name="投影片編號版面配置區 5"/>
-          <p:cNvSpPr>
-            <a:spLocks noGrp="1"/>
-          </p:cNvSpPr>
-          <p:nvPr>
-            <p:ph type="sldNum" sz="quarter" idx="12"/>
-          </p:nvPr>
-        </p:nvSpPr>
-        <p:spPr/>
-        <p:txBody>
-          <a:bodyPr/>
-          <a:lstStyle/>
-          <a:p>
-            <a:fld id="{E4D7E63D-91F2-4366-A2C4-1B00C9E2590E}" type="slidenum">
-              <a:rPr lang="zh-TW" altLang="en-US" smtClean="0"/>
-              <a:pPr/>
-              <a:t>3</a:t>
-            </a:fld>
-            <a:endParaRPr lang="zh-TW" altLang="en-US"/>
-          </a:p>
-        </p:txBody>
-      </p:sp>
-      <p:pic>
-        <p:nvPicPr>
-          <p:cNvPr id="1026" name="Picture 2" descr="Image result for Qt logo">
-            <a:extLst>
-              <a:ext uri="{FF2B5EF4-FFF2-40B4-BE49-F238E27FC236}">
-                <a16:creationId xmlns:a16="http://schemas.microsoft.com/office/drawing/2014/main" id="{5BB30E86-0076-AFE3-8108-81F5E04DE19B}"/>
-              </a:ext>
-            </a:extLst>
-          </p:cNvPr>
-          <p:cNvPicPr>
-            <a:picLocks noChangeAspect="1" noChangeArrowheads="1"/>
-          </p:cNvPicPr>
-          <p:nvPr/>
-        </p:nvPicPr>
-        <p:blipFill>
-          <a:blip r:embed="rId2">
-            <a:extLst>
-              <a:ext uri="{28A0092B-C50C-407E-A947-70E740481C1C}">
-                <a14:useLocalDpi xmlns:a14="http://schemas.microsoft.com/office/drawing/2010/main" val="0"/>
-              </a:ext>
-            </a:extLst>
-          </a:blip>
-          <a:srcRect/>
-          <a:stretch>
-            <a:fillRect/>
-          </a:stretch>
-        </p:blipFill>
-        <p:spPr bwMode="auto">
-          <a:xfrm>
-            <a:off x="3923928" y="3665344"/>
-            <a:ext cx="1296144" cy="950506"/>
-          </a:xfrm>
-          <a:prstGeom prst="rect">
-            <a:avLst/>
-          </a:prstGeom>
-          <a:noFill/>
-          <a:extLst>
-            <a:ext uri="{909E8E84-426E-40DD-AFC4-6F175D3DCCD1}">
-              <a14:hiddenFill xmlns:a14="http://schemas.microsoft.com/office/drawing/2010/main">
-                <a:solidFill>
-                  <a:srgbClr val="FFFFFF"/>
-                </a:solidFill>
-              </a14:hiddenFill>
-            </a:ext>
-          </a:extLst>
-        </p:spPr>
-      </p:pic>
-    </p:spTree>
-    <p:extLst>
-      <p:ext uri="{BB962C8B-B14F-4D97-AF65-F5344CB8AC3E}">
-        <p14:creationId xmlns:p14="http://schemas.microsoft.com/office/powerpoint/2010/main" val="3464816986"/>
-      </p:ext>
-    </p:extLst>
-  </p:cSld>
-  <p:clrMapOvr>
-    <a:masterClrMapping/>
-  </p:clrMapOvr>
-</p:sld>
-</file>
-
-<file path=ppt/slides/slide4.xml><?xml version="1.0" encoding="utf-8"?>
-<p:sld xmlns:a="http://schemas.openxmlformats.org/drawingml/2006/main" xmlns:r="http://schemas.openxmlformats.org/officeDocument/2006/relationships" xmlns:p="http://schemas.openxmlformats.org/presentationml/2006/main">
-  <p:cSld>
-    <p:spTree>
-      <p:nvGrpSpPr>
-        <p:cNvPr id="1" name=""/>
-        <p:cNvGrpSpPr/>
-        <p:nvPr/>
-      </p:nvGrpSpPr>
-      <p:grpSpPr>
-        <a:xfrm>
-          <a:off x="0" y="0"/>
-          <a:ext cx="0" cy="0"/>
-          <a:chOff x="0" y="0"/>
-          <a:chExt cx="0" cy="0"/>
-        </a:xfrm>
-      </p:grpSpPr>
-      <p:sp>
-        <p:nvSpPr>
-          <p:cNvPr id="2" name="標題 1"/>
-          <p:cNvSpPr>
-            <a:spLocks noGrp="1"/>
-          </p:cNvSpPr>
-          <p:nvPr>
-            <p:ph type="ctrTitle"/>
-          </p:nvPr>
-        </p:nvSpPr>
-        <p:spPr>
-          <a:xfrm>
             <a:off x="0" y="1"/>
             <a:ext cx="9144000" cy="764704"/>
           </a:xfrm>
@@ -4156,7 +6282,7 @@
                   <a:srgbClr val="FFFF00"/>
                 </a:solidFill>
               </a:rPr>
-              <a:t>505.1 Double Columns (::) Operator</a:t>
+              <a:t>506 Signal and Slot</a:t>
             </a:r>
             <a:endParaRPr lang="zh-TW" altLang="en-US" sz="4000" b="1" dirty="0">
               <a:solidFill>
@@ -4178,8 +6304,8 @@
         </p:nvSpPr>
         <p:spPr>
           <a:xfrm>
-            <a:off x="438024" y="1250427"/>
-            <a:ext cx="7806383" cy="4266805"/>
+            <a:off x="467543" y="1268757"/>
+            <a:ext cx="8241831" cy="1368155"/>
           </a:xfrm>
           <a:ln>
             <a:solidFill>
@@ -4207,7 +6333,7 @@
                   <a:schemeClr val="tx1"/>
                 </a:solidFill>
               </a:rPr>
-              <a:t>Double Columns (::) Operator</a:t>
+              <a:t>Signal and Slot</a:t>
             </a:r>
           </a:p>
           <a:p>
@@ -4225,7 +6351,7 @@
                   <a:schemeClr val="tx1"/>
                 </a:solidFill>
               </a:rPr>
-              <a:t>If we have a class a, we want to use a member function called b. </a:t>
+              <a:t>Signals and Slots are the way that we can have the user interact with a program.</a:t>
             </a:r>
           </a:p>
           <a:p>
@@ -4243,7 +6369,7 @@
                   <a:schemeClr val="tx1"/>
                 </a:solidFill>
               </a:rPr>
-              <a:t>We can define the member function b in class a.</a:t>
+              <a:t>The program below, the user cannot interact with the program in any way.</a:t>
             </a:r>
           </a:p>
           <a:p>
@@ -4261,151 +6387,7 @@
                   <a:schemeClr val="tx1"/>
                 </a:solidFill>
               </a:rPr>
-              <a:t>&gt; a::b()</a:t>
-            </a:r>
-          </a:p>
-          <a:p>
-            <a:pPr marL="342900" indent="-342900" algn="l">
-              <a:buClr>
-                <a:srgbClr val="0070C0"/>
-              </a:buClr>
-              <a:buSzPct val="80000"/>
-              <a:buFont typeface="Wingdings" pitchFamily="2" charset="2"/>
-              <a:buChar char="u"/>
-            </a:pPr>
-            <a:r>
-              <a:rPr lang="en-US" sz="1800" dirty="0">
-                <a:solidFill>
-                  <a:schemeClr val="tx1"/>
-                </a:solidFill>
-              </a:rPr>
-              <a:t>The “::” specify which class the member function b is coming from.</a:t>
-            </a:r>
-          </a:p>
-          <a:p>
-            <a:pPr marL="342900" indent="-342900" algn="l">
-              <a:buClr>
-                <a:srgbClr val="0070C0"/>
-              </a:buClr>
-              <a:buSzPct val="80000"/>
-              <a:buFont typeface="Wingdings" pitchFamily="2" charset="2"/>
-              <a:buChar char="u"/>
-            </a:pPr>
-            <a:r>
-              <a:rPr lang="en-US" sz="1800" dirty="0">
-                <a:solidFill>
-                  <a:schemeClr val="tx1"/>
-                </a:solidFill>
-              </a:rPr>
-              <a:t>We can have same function name b in several classes. For example,</a:t>
-            </a:r>
-          </a:p>
-          <a:p>
-            <a:pPr marL="342900" indent="-342900" algn="l">
-              <a:buClr>
-                <a:srgbClr val="0070C0"/>
-              </a:buClr>
-              <a:buSzPct val="80000"/>
-              <a:buFont typeface="Wingdings" pitchFamily="2" charset="2"/>
-              <a:buChar char="u"/>
-            </a:pPr>
-            <a:r>
-              <a:rPr lang="en-US" sz="1800" dirty="0">
-                <a:solidFill>
-                  <a:schemeClr val="tx1"/>
-                </a:solidFill>
-              </a:rPr>
-              <a:t>&gt; a::b()</a:t>
-            </a:r>
-          </a:p>
-          <a:p>
-            <a:pPr marL="342900" indent="-342900" algn="l">
-              <a:buClr>
-                <a:srgbClr val="0070C0"/>
-              </a:buClr>
-              <a:buSzPct val="80000"/>
-              <a:buFont typeface="Wingdings" pitchFamily="2" charset="2"/>
-              <a:buChar char="u"/>
-            </a:pPr>
-            <a:r>
-              <a:rPr lang="en-US" sz="1800" dirty="0">
-                <a:solidFill>
-                  <a:schemeClr val="tx1"/>
-                </a:solidFill>
-              </a:rPr>
-              <a:t>&gt; tuna::b()</a:t>
-            </a:r>
-          </a:p>
-          <a:p>
-            <a:pPr marL="342900" indent="-342900" algn="l">
-              <a:buClr>
-                <a:srgbClr val="0070C0"/>
-              </a:buClr>
-              <a:buSzPct val="80000"/>
-              <a:buFont typeface="Wingdings" pitchFamily="2" charset="2"/>
-              <a:buChar char="u"/>
-            </a:pPr>
-            <a:r>
-              <a:rPr lang="en-US" sz="1800" dirty="0">
-                <a:solidFill>
-                  <a:schemeClr val="tx1"/>
-                </a:solidFill>
-              </a:rPr>
-              <a:t>&gt; bacon::b()</a:t>
-            </a:r>
-          </a:p>
-          <a:p>
-            <a:pPr marL="342900" indent="-342900" algn="l">
-              <a:buClr>
-                <a:srgbClr val="0070C0"/>
-              </a:buClr>
-              <a:buSzPct val="80000"/>
-              <a:buFont typeface="Wingdings" pitchFamily="2" charset="2"/>
-              <a:buChar char="u"/>
-            </a:pPr>
-            <a:r>
-              <a:rPr lang="en-US" sz="1800" dirty="0">
-                <a:solidFill>
-                  <a:schemeClr val="tx1"/>
-                </a:solidFill>
-              </a:rPr>
-              <a:t>Here, we have same function name b() in class a, class tuna, and class bacon.</a:t>
-            </a:r>
-          </a:p>
-          <a:p>
-            <a:pPr marL="342900" indent="-342900" algn="l">
-              <a:buClr>
-                <a:srgbClr val="0070C0"/>
-              </a:buClr>
-              <a:buSzPct val="80000"/>
-              <a:buFont typeface="Wingdings" pitchFamily="2" charset="2"/>
-              <a:buChar char="u"/>
-            </a:pPr>
-            <a:r>
-              <a:rPr lang="en-US" sz="1800" dirty="0">
-                <a:solidFill>
-                  <a:schemeClr val="tx1"/>
-                </a:solidFill>
-              </a:rPr>
-              <a:t>The double column (::) specify which class the member function coming from.</a:t>
-            </a:r>
-          </a:p>
-          <a:p>
-            <a:pPr marL="342900" indent="-342900" algn="l">
-              <a:buClr>
-                <a:srgbClr val="0070C0"/>
-              </a:buClr>
-              <a:buSzPct val="80000"/>
-              <a:buFont typeface="Wingdings" pitchFamily="2" charset="2"/>
-              <a:buChar char="u"/>
-            </a:pPr>
-            <a:r>
-              <a:rPr lang="en-US" sz="1800" dirty="0">
-                <a:solidFill>
-                  <a:schemeClr val="tx1"/>
-                </a:solidFill>
-              </a:rPr>
-              <a:t>If you have same function b() from classes, we use double column (::) to specify which classes that function b() is coming from.</a:t>
+              <a:t>That is the reason why we need to learn about signals and slots.</a:t>
             </a:r>
           </a:p>
         </p:txBody>
@@ -4527,16 +6509,217 @@
             <a:fld id="{E4D7E63D-91F2-4366-A2C4-1B00C9E2590E}" type="slidenum">
               <a:rPr lang="zh-TW" altLang="en-US" smtClean="0"/>
               <a:pPr/>
+              <a:t>3</a:t>
+            </a:fld>
+            <a:endParaRPr lang="zh-TW" altLang="en-US"/>
+          </a:p>
+        </p:txBody>
+      </p:sp>
+      <p:pic>
+        <p:nvPicPr>
+          <p:cNvPr id="10" name="Picture 9">
+            <a:extLst>
+              <a:ext uri="{FF2B5EF4-FFF2-40B4-BE49-F238E27FC236}">
+                <a16:creationId xmlns:a16="http://schemas.microsoft.com/office/drawing/2014/main" id="{092DE944-C2F2-C12A-F854-6A2E7D950419}"/>
+              </a:ext>
+            </a:extLst>
+          </p:cNvPr>
+          <p:cNvPicPr>
+            <a:picLocks noChangeAspect="1"/>
+          </p:cNvPicPr>
+          <p:nvPr/>
+        </p:nvPicPr>
+        <p:blipFill>
+          <a:blip r:embed="rId2"/>
+          <a:stretch>
+            <a:fillRect/>
+          </a:stretch>
+        </p:blipFill>
+        <p:spPr>
+          <a:xfrm>
+            <a:off x="1979712" y="3110632"/>
+            <a:ext cx="4819650" cy="1733550"/>
+          </a:xfrm>
+          <a:prstGeom prst="rect">
+            <a:avLst/>
+          </a:prstGeom>
+          <a:ln>
+            <a:solidFill>
+              <a:srgbClr val="C00000"/>
+            </a:solidFill>
+          </a:ln>
+        </p:spPr>
+      </p:pic>
+    </p:spTree>
+    <p:extLst>
+      <p:ext uri="{BB962C8B-B14F-4D97-AF65-F5344CB8AC3E}">
+        <p14:creationId xmlns:p14="http://schemas.microsoft.com/office/powerpoint/2010/main" val="2554194224"/>
+      </p:ext>
+    </p:extLst>
+  </p:cSld>
+  <p:clrMapOvr>
+    <a:masterClrMapping/>
+  </p:clrMapOvr>
+</p:sld>
+</file>
+
+<file path=ppt/slides/slide4.xml><?xml version="1.0" encoding="utf-8"?>
+<p:sld xmlns:a="http://schemas.openxmlformats.org/drawingml/2006/main" xmlns:r="http://schemas.openxmlformats.org/officeDocument/2006/relationships" xmlns:p="http://schemas.openxmlformats.org/presentationml/2006/main">
+  <p:cSld>
+    <p:spTree>
+      <p:nvGrpSpPr>
+        <p:cNvPr id="1" name=""/>
+        <p:cNvGrpSpPr/>
+        <p:nvPr/>
+      </p:nvGrpSpPr>
+      <p:grpSpPr>
+        <a:xfrm>
+          <a:off x="0" y="0"/>
+          <a:ext cx="0" cy="0"/>
+          <a:chOff x="0" y="0"/>
+          <a:chExt cx="0" cy="0"/>
+        </a:xfrm>
+      </p:grpSpPr>
+      <p:sp>
+        <p:nvSpPr>
+          <p:cNvPr id="2" name="標題 1"/>
+          <p:cNvSpPr>
+            <a:spLocks noGrp="1"/>
+          </p:cNvSpPr>
+          <p:nvPr>
+            <p:ph type="ctrTitle"/>
+          </p:nvPr>
+        </p:nvSpPr>
+        <p:spPr>
+          <a:xfrm>
+            <a:off x="0" y="2130425"/>
+            <a:ext cx="9144000" cy="1470025"/>
+          </a:xfrm>
+          <a:solidFill>
+            <a:srgbClr val="00B0F0"/>
+          </a:solidFill>
+        </p:spPr>
+        <p:txBody>
+          <a:bodyPr>
+            <a:normAutofit/>
+          </a:bodyPr>
+          <a:lstStyle/>
+          <a:p>
+            <a:r>
+              <a:rPr lang="en-US" altLang="zh-TW" sz="4000" b="1" dirty="0">
+                <a:solidFill>
+                  <a:srgbClr val="FFFF00"/>
+                </a:solidFill>
+              </a:rPr>
+              <a:t>506.1 QPushButton</a:t>
+            </a:r>
+            <a:endParaRPr lang="zh-TW" altLang="en-US" sz="4000" b="1" dirty="0">
+              <a:solidFill>
+                <a:srgbClr val="FFFF00"/>
+              </a:solidFill>
+            </a:endParaRPr>
+          </a:p>
+        </p:txBody>
+      </p:sp>
+      <p:sp>
+        <p:nvSpPr>
+          <p:cNvPr id="5" name="日期版面配置區 4"/>
+          <p:cNvSpPr>
+            <a:spLocks noGrp="1"/>
+          </p:cNvSpPr>
+          <p:nvPr>
+            <p:ph type="dt" sz="half" idx="10"/>
+          </p:nvPr>
+        </p:nvSpPr>
+        <p:spPr/>
+        <p:txBody>
+          <a:bodyPr/>
+          <a:lstStyle/>
+          <a:p>
+            <a:fld id="{C389EDC9-19E3-47AC-9C57-C6A24DEA81AD}" type="datetime1">
+              <a:rPr lang="zh-TW" altLang="en-US" smtClean="0"/>
+              <a:pPr/>
+              <a:t>2022/10/31</a:t>
+            </a:fld>
+            <a:endParaRPr lang="zh-TW" altLang="en-US"/>
+          </a:p>
+        </p:txBody>
+      </p:sp>
+      <p:sp>
+        <p:nvSpPr>
+          <p:cNvPr id="6" name="投影片編號版面配置區 5"/>
+          <p:cNvSpPr>
+            <a:spLocks noGrp="1"/>
+          </p:cNvSpPr>
+          <p:nvPr>
+            <p:ph type="sldNum" sz="quarter" idx="12"/>
+          </p:nvPr>
+        </p:nvSpPr>
+        <p:spPr/>
+        <p:txBody>
+          <a:bodyPr/>
+          <a:lstStyle/>
+          <a:p>
+            <a:fld id="{E4D7E63D-91F2-4366-A2C4-1B00C9E2590E}" type="slidenum">
+              <a:rPr lang="zh-TW" altLang="en-US" smtClean="0"/>
+              <a:pPr/>
               <a:t>4</a:t>
             </a:fld>
             <a:endParaRPr lang="zh-TW" altLang="en-US"/>
           </a:p>
         </p:txBody>
       </p:sp>
+      <p:pic>
+        <p:nvPicPr>
+          <p:cNvPr id="1026" name="Picture 2" descr="Image result for Qt logo">
+            <a:extLst>
+              <a:ext uri="{FF2B5EF4-FFF2-40B4-BE49-F238E27FC236}">
+                <a16:creationId xmlns:a16="http://schemas.microsoft.com/office/drawing/2014/main" id="{5BB30E86-0076-AFE3-8108-81F5E04DE19B}"/>
+              </a:ext>
+            </a:extLst>
+          </p:cNvPr>
+          <p:cNvPicPr>
+            <a:picLocks noChangeAspect="1" noChangeArrowheads="1"/>
+          </p:cNvPicPr>
+          <p:nvPr/>
+        </p:nvPicPr>
+        <p:blipFill>
+          <a:blip r:embed="rId2">
+            <a:extLst>
+              <a:ext uri="{28A0092B-C50C-407E-A947-70E740481C1C}">
+                <a14:useLocalDpi xmlns:a14="http://schemas.microsoft.com/office/drawing/2010/main" val="0"/>
+              </a:ext>
+            </a:extLst>
+          </a:blip>
+          <a:srcRect/>
+          <a:stretch>
+            <a:fillRect/>
+          </a:stretch>
+        </p:blipFill>
+        <p:spPr bwMode="auto">
+          <a:xfrm>
+            <a:off x="3923928" y="3665344"/>
+            <a:ext cx="1296144" cy="950506"/>
+          </a:xfrm>
+          <a:prstGeom prst="rect">
+            <a:avLst/>
+          </a:prstGeom>
+          <a:noFill/>
+          <a:extLst>
+            <a:ext uri="{909E8E84-426E-40DD-AFC4-6F175D3DCCD1}">
+              <a14:hiddenFill xmlns:a14="http://schemas.microsoft.com/office/drawing/2010/main">
+                <a:solidFill>
+                  <a:srgbClr val="FFFFFF"/>
+                </a:solidFill>
+              </a14:hiddenFill>
+            </a:ext>
+          </a:extLst>
+        </p:spPr>
+      </p:pic>
     </p:spTree>
     <p:extLst>
       <p:ext uri="{BB962C8B-B14F-4D97-AF65-F5344CB8AC3E}">
-        <p14:creationId xmlns:p14="http://schemas.microsoft.com/office/powerpoint/2010/main" val="2609460876"/>
+        <p14:creationId xmlns:p14="http://schemas.microsoft.com/office/powerpoint/2010/main" val="3464816986"/>
       </p:ext>
     </p:extLst>
   </p:cSld>
@@ -4575,9 +6758,175 @@
         </p:nvSpPr>
         <p:spPr>
           <a:xfrm>
-            <a:off x="0" y="2130425"/>
-            <a:ext cx="9144000" cy="1470025"/>
-          </a:xfrm>
+            <a:off x="0" y="1"/>
+            <a:ext cx="9144000" cy="764704"/>
+          </a:xfrm>
+          <a:gradFill flip="none" rotWithShape="1">
+            <a:gsLst>
+              <a:gs pos="0">
+                <a:srgbClr val="C00000">
+                  <a:shade val="30000"/>
+                  <a:satMod val="115000"/>
+                </a:srgbClr>
+              </a:gs>
+              <a:gs pos="50000">
+                <a:srgbClr val="C00000">
+                  <a:shade val="67500"/>
+                  <a:satMod val="115000"/>
+                </a:srgbClr>
+              </a:gs>
+              <a:gs pos="100000">
+                <a:srgbClr val="C00000">
+                  <a:shade val="100000"/>
+                  <a:satMod val="115000"/>
+                </a:srgbClr>
+              </a:gs>
+            </a:gsLst>
+            <a:path path="circle">
+              <a:fillToRect t="100000" r="100000"/>
+            </a:path>
+            <a:tileRect l="-100000" b="-100000"/>
+          </a:gradFill>
+        </p:spPr>
+        <p:txBody>
+          <a:bodyPr>
+            <a:normAutofit/>
+          </a:bodyPr>
+          <a:lstStyle/>
+          <a:p>
+            <a:pPr algn="l"/>
+            <a:r>
+              <a:rPr lang="en-US" altLang="zh-TW" sz="4000" b="1" dirty="0">
+                <a:solidFill>
+                  <a:srgbClr val="FFFF00"/>
+                </a:solidFill>
+              </a:rPr>
+              <a:t>506.1 QPushButton</a:t>
+            </a:r>
+            <a:endParaRPr lang="zh-TW" altLang="en-US" sz="4000" b="1" dirty="0">
+              <a:solidFill>
+                <a:srgbClr val="FFFF00"/>
+              </a:solidFill>
+            </a:endParaRPr>
+          </a:p>
+        </p:txBody>
+      </p:sp>
+      <p:sp>
+        <p:nvSpPr>
+          <p:cNvPr id="3" name="副標題 2"/>
+          <p:cNvSpPr>
+            <a:spLocks noGrp="1"/>
+          </p:cNvSpPr>
+          <p:nvPr>
+            <p:ph type="subTitle" idx="1"/>
+          </p:nvPr>
+        </p:nvSpPr>
+        <p:spPr>
+          <a:xfrm>
+            <a:off x="438024" y="1250427"/>
+            <a:ext cx="7806383" cy="1673873"/>
+          </a:xfrm>
+          <a:ln>
+            <a:solidFill>
+              <a:srgbClr val="C00000"/>
+            </a:solidFill>
+          </a:ln>
+        </p:spPr>
+        <p:txBody>
+          <a:bodyPr>
+            <a:noAutofit/>
+          </a:bodyPr>
+          <a:lstStyle/>
+          <a:p>
+            <a:pPr marL="342900" indent="-342900" algn="l">
+              <a:buClr>
+                <a:srgbClr val="0070C0"/>
+              </a:buClr>
+              <a:buSzPct val="80000"/>
+              <a:buFont typeface="Wingdings" pitchFamily="2" charset="2"/>
+              <a:buChar char="u"/>
+            </a:pPr>
+            <a:r>
+              <a:rPr lang="en-US" sz="1800" b="1" dirty="0">
+                <a:solidFill>
+                  <a:schemeClr val="tx1"/>
+                </a:solidFill>
+              </a:rPr>
+              <a:t>QPushButton</a:t>
+            </a:r>
+          </a:p>
+          <a:p>
+            <a:pPr marL="342900" indent="-342900" algn="l">
+              <a:buClr>
+                <a:srgbClr val="0070C0"/>
+              </a:buClr>
+              <a:buSzPct val="80000"/>
+              <a:buFont typeface="Wingdings" pitchFamily="2" charset="2"/>
+              <a:buChar char="u"/>
+            </a:pPr>
+            <a:r>
+              <a:rPr lang="en-US" sz="1800" dirty="0">
+                <a:solidFill>
+                  <a:schemeClr val="tx1"/>
+                </a:solidFill>
+              </a:rPr>
+              <a:t>1. First, we include the QPushButton.</a:t>
+            </a:r>
+          </a:p>
+          <a:p>
+            <a:pPr marL="342900" indent="-342900" algn="l">
+              <a:buClr>
+                <a:srgbClr val="0070C0"/>
+              </a:buClr>
+              <a:buSzPct val="80000"/>
+              <a:buFont typeface="Wingdings" pitchFamily="2" charset="2"/>
+              <a:buChar char="u"/>
+            </a:pPr>
+            <a:r>
+              <a:rPr lang="en-US" sz="1800" dirty="0">
+                <a:solidFill>
+                  <a:schemeClr val="tx1"/>
+                </a:solidFill>
+              </a:rPr>
+              <a:t>2. Then, we create *button point to QPushButton object. </a:t>
+            </a:r>
+          </a:p>
+          <a:p>
+            <a:pPr marL="342900" indent="-342900" algn="l">
+              <a:buClr>
+                <a:srgbClr val="0070C0"/>
+              </a:buClr>
+              <a:buSzPct val="80000"/>
+              <a:buFont typeface="Wingdings" pitchFamily="2" charset="2"/>
+              <a:buChar char="u"/>
+            </a:pPr>
+            <a:r>
+              <a:rPr lang="en-US" sz="1800" dirty="0">
+                <a:solidFill>
+                  <a:schemeClr val="tx1"/>
+                </a:solidFill>
+              </a:rPr>
+              <a:t>3. Then, we use “-&gt; to access the pointer which access the member function show() of button object. The button is displayed as below.</a:t>
+            </a:r>
+          </a:p>
+        </p:txBody>
+      </p:sp>
+      <p:sp>
+        <p:nvSpPr>
+          <p:cNvPr id="4" name="標題 1"/>
+          <p:cNvSpPr txBox="1">
+            <a:spLocks/>
+          </p:cNvSpPr>
+          <p:nvPr/>
+        </p:nvSpPr>
+        <p:spPr>
+          <a:xfrm>
+            <a:off x="0" y="764704"/>
+            <a:ext cx="9144000" cy="360040"/>
+          </a:xfrm>
+          <a:prstGeom prst="rect">
+            <a:avLst/>
+          </a:prstGeom>
           <a:gradFill flip="none" rotWithShape="1">
             <a:gsLst>
               <a:gs pos="0">
@@ -4606,23 +6955,33 @@
           </a:gradFill>
         </p:spPr>
         <p:txBody>
-          <a:bodyPr>
+          <a:bodyPr vert="horz" lIns="91440" tIns="45720" rIns="91440" bIns="45720" rtlCol="0" anchor="ctr">
             <a:normAutofit/>
           </a:bodyPr>
           <a:lstStyle/>
           <a:p>
-            <a:r>
-              <a:rPr lang="en-US" altLang="zh-TW" sz="6000" b="1">
-                <a:solidFill>
-                  <a:srgbClr val="FFFF00"/>
-                </a:solidFill>
-              </a:rPr>
-              <a:t>End</a:t>
-            </a:r>
-            <a:endParaRPr lang="zh-TW" altLang="en-US" sz="6000" b="1" dirty="0">
+            <a:pPr lvl="0">
+              <a:spcBef>
+                <a:spcPct val="0"/>
+              </a:spcBef>
+            </a:pPr>
+            <a:r>
+              <a:rPr lang="en-US" sz="1600" dirty="0"/>
+              <a:t>https://www.youtube.com/watch?v=swZNOKKkQiw&amp;list=PLD0D54219E5F2544D&amp;index=6</a:t>
+            </a:r>
+            <a:endParaRPr kumimoji="0" lang="zh-TW" altLang="en-US" sz="1600" b="0" i="0" u="none" strike="noStrike" kern="1200" cap="none" spc="0" normalizeH="0" baseline="0" noProof="0" dirty="0">
+              <a:ln>
+                <a:noFill/>
+              </a:ln>
               <a:solidFill>
-                <a:srgbClr val="FFFF00"/>
+                <a:schemeClr val="tx1"/>
               </a:solidFill>
+              <a:effectLst/>
+              <a:uLnTx/>
+              <a:uFillTx/>
+              <a:latin typeface="+mj-lt"/>
+              <a:ea typeface="+mj-ea"/>
+              <a:cs typeface="+mj-cs"/>
             </a:endParaRPr>
           </a:p>
         </p:txBody>
@@ -4642,7 +7001,7 @@
           <a:bodyPr/>
           <a:lstStyle/>
           <a:p>
-            <a:fld id="{4E46BE27-E923-4EC2-B046-3272AE2A3E5C}" type="datetime1">
+            <a:fld id="{A4F910E6-8D00-4BAF-8C48-9688E0B449D3}" type="datetime1">
               <a:rPr lang="zh-TW" altLang="en-US" smtClean="0"/>
               <a:pPr/>
               <a:t>2022/10/31</a:t>
@@ -4675,7 +7034,1732 @@
           </a:p>
         </p:txBody>
       </p:sp>
+      <p:pic>
+        <p:nvPicPr>
+          <p:cNvPr id="8" name="Picture 7">
+            <a:extLst>
+              <a:ext uri="{FF2B5EF4-FFF2-40B4-BE49-F238E27FC236}">
+                <a16:creationId xmlns:a16="http://schemas.microsoft.com/office/drawing/2014/main" id="{12A6E061-68BD-B962-AA91-D7CC10FDA355}"/>
+              </a:ext>
+            </a:extLst>
+          </p:cNvPr>
+          <p:cNvPicPr>
+            <a:picLocks noChangeAspect="1"/>
+          </p:cNvPicPr>
+          <p:nvPr/>
+        </p:nvPicPr>
+        <p:blipFill>
+          <a:blip r:embed="rId2"/>
+          <a:stretch>
+            <a:fillRect/>
+          </a:stretch>
+        </p:blipFill>
+        <p:spPr>
+          <a:xfrm>
+            <a:off x="465850" y="3573016"/>
+            <a:ext cx="8373676" cy="2928639"/>
+          </a:xfrm>
+          <a:prstGeom prst="rect">
+            <a:avLst/>
+          </a:prstGeom>
+          <a:ln>
+            <a:solidFill>
+              <a:srgbClr val="C00000"/>
+            </a:solidFill>
+          </a:ln>
+        </p:spPr>
+      </p:pic>
+      <p:sp>
+        <p:nvSpPr>
+          <p:cNvPr id="9" name="Rectangle 8">
+            <a:extLst>
+              <a:ext uri="{FF2B5EF4-FFF2-40B4-BE49-F238E27FC236}">
+                <a16:creationId xmlns:a16="http://schemas.microsoft.com/office/drawing/2014/main" id="{33495282-8307-E6F0-70B4-F79E9AB42049}"/>
+              </a:ext>
+            </a:extLst>
+          </p:cNvPr>
+          <p:cNvSpPr/>
+          <p:nvPr/>
+        </p:nvSpPr>
+        <p:spPr>
+          <a:xfrm>
+            <a:off x="465850" y="3573016"/>
+            <a:ext cx="1306518" cy="720725"/>
+          </a:xfrm>
+          <a:prstGeom prst="rect">
+            <a:avLst/>
+          </a:prstGeom>
+          <a:noFill/>
+          <a:ln>
+            <a:solidFill>
+              <a:srgbClr val="C00000"/>
+            </a:solidFill>
+          </a:ln>
+        </p:spPr>
+        <p:style>
+          <a:lnRef idx="2">
+            <a:schemeClr val="accent1">
+              <a:shade val="50000"/>
+            </a:schemeClr>
+          </a:lnRef>
+          <a:fillRef idx="1">
+            <a:schemeClr val="accent1"/>
+          </a:fillRef>
+          <a:effectRef idx="0">
+            <a:schemeClr val="accent1"/>
+          </a:effectRef>
+          <a:fontRef idx="minor">
+            <a:schemeClr val="lt1"/>
+          </a:fontRef>
+        </p:style>
+        <p:txBody>
+          <a:bodyPr rtlCol="0" anchor="ctr"/>
+          <a:lstStyle/>
+          <a:p>
+            <a:pPr algn="ctr"/>
+            <a:endParaRPr lang="en-US"/>
+          </a:p>
+        </p:txBody>
+      </p:sp>
+      <p:sp>
+        <p:nvSpPr>
+          <p:cNvPr id="10" name="Rectangle 9">
+            <a:extLst>
+              <a:ext uri="{FF2B5EF4-FFF2-40B4-BE49-F238E27FC236}">
+                <a16:creationId xmlns:a16="http://schemas.microsoft.com/office/drawing/2014/main" id="{82B0D2CE-D15D-ED7F-1E55-4DFDEE2C4FBB}"/>
+              </a:ext>
+            </a:extLst>
+          </p:cNvPr>
+          <p:cNvSpPr/>
+          <p:nvPr/>
+        </p:nvSpPr>
+        <p:spPr>
+          <a:xfrm>
+            <a:off x="3131840" y="2564904"/>
+            <a:ext cx="3240360" cy="359396"/>
+          </a:xfrm>
+          <a:prstGeom prst="rect">
+            <a:avLst/>
+          </a:prstGeom>
+          <a:noFill/>
+          <a:ln>
+            <a:solidFill>
+              <a:srgbClr val="C00000"/>
+            </a:solidFill>
+          </a:ln>
+        </p:spPr>
+        <p:style>
+          <a:lnRef idx="2">
+            <a:schemeClr val="accent1">
+              <a:shade val="50000"/>
+            </a:schemeClr>
+          </a:lnRef>
+          <a:fillRef idx="1">
+            <a:schemeClr val="accent1"/>
+          </a:fillRef>
+          <a:effectRef idx="0">
+            <a:schemeClr val="accent1"/>
+          </a:effectRef>
+          <a:fontRef idx="minor">
+            <a:schemeClr val="lt1"/>
+          </a:fontRef>
+        </p:style>
+        <p:txBody>
+          <a:bodyPr rtlCol="0" anchor="ctr"/>
+          <a:lstStyle/>
+          <a:p>
+            <a:pPr algn="ctr"/>
+            <a:endParaRPr lang="en-US"/>
+          </a:p>
+        </p:txBody>
+      </p:sp>
+      <p:cxnSp>
+        <p:nvCxnSpPr>
+          <p:cNvPr id="12" name="Straight Arrow Connector 11">
+            <a:extLst>
+              <a:ext uri="{FF2B5EF4-FFF2-40B4-BE49-F238E27FC236}">
+                <a16:creationId xmlns:a16="http://schemas.microsoft.com/office/drawing/2014/main" id="{F38E6CE9-2DCD-45E4-60CF-02543BCBCBA0}"/>
+              </a:ext>
+            </a:extLst>
+          </p:cNvPr>
+          <p:cNvCxnSpPr>
+            <a:stCxn id="10" idx="2"/>
+          </p:cNvCxnSpPr>
+          <p:nvPr/>
+        </p:nvCxnSpPr>
+        <p:spPr>
+          <a:xfrm flipH="1">
+            <a:off x="1763688" y="2924300"/>
+            <a:ext cx="2988332" cy="1009401"/>
+          </a:xfrm>
+          <a:prstGeom prst="straightConnector1">
+            <a:avLst/>
+          </a:prstGeom>
+          <a:ln>
+            <a:tailEnd type="triangle"/>
+          </a:ln>
+        </p:spPr>
+        <p:style>
+          <a:lnRef idx="1">
+            <a:schemeClr val="accent2"/>
+          </a:lnRef>
+          <a:fillRef idx="0">
+            <a:schemeClr val="accent2"/>
+          </a:fillRef>
+          <a:effectRef idx="0">
+            <a:schemeClr val="accent2"/>
+          </a:effectRef>
+          <a:fontRef idx="minor">
+            <a:schemeClr val="tx1"/>
+          </a:fontRef>
+        </p:style>
+      </p:cxnSp>
     </p:spTree>
+    <p:extLst>
+      <p:ext uri="{BB962C8B-B14F-4D97-AF65-F5344CB8AC3E}">
+        <p14:creationId xmlns:p14="http://schemas.microsoft.com/office/powerpoint/2010/main" val="2609460876"/>
+      </p:ext>
+    </p:extLst>
+  </p:cSld>
+  <p:clrMapOvr>
+    <a:masterClrMapping/>
+  </p:clrMapOvr>
+</p:sld>
+</file>
+
+<file path=ppt/slides/slide6.xml><?xml version="1.0" encoding="utf-8"?>
+<p:sld xmlns:a="http://schemas.openxmlformats.org/drawingml/2006/main" xmlns:r="http://schemas.openxmlformats.org/officeDocument/2006/relationships" xmlns:p="http://schemas.openxmlformats.org/presentationml/2006/main">
+  <p:cSld>
+    <p:spTree>
+      <p:nvGrpSpPr>
+        <p:cNvPr id="1" name=""/>
+        <p:cNvGrpSpPr/>
+        <p:nvPr/>
+      </p:nvGrpSpPr>
+      <p:grpSpPr>
+        <a:xfrm>
+          <a:off x="0" y="0"/>
+          <a:ext cx="0" cy="0"/>
+          <a:chOff x="0" y="0"/>
+          <a:chExt cx="0" cy="0"/>
+        </a:xfrm>
+      </p:grpSpPr>
+      <p:sp>
+        <p:nvSpPr>
+          <p:cNvPr id="2" name="標題 1"/>
+          <p:cNvSpPr>
+            <a:spLocks noGrp="1"/>
+          </p:cNvSpPr>
+          <p:nvPr>
+            <p:ph type="ctrTitle"/>
+          </p:nvPr>
+        </p:nvSpPr>
+        <p:spPr>
+          <a:xfrm>
+            <a:off x="0" y="2130425"/>
+            <a:ext cx="9144000" cy="1470025"/>
+          </a:xfrm>
+          <a:solidFill>
+            <a:srgbClr val="00B0F0"/>
+          </a:solidFill>
+        </p:spPr>
+        <p:txBody>
+          <a:bodyPr>
+            <a:normAutofit/>
+          </a:bodyPr>
+          <a:lstStyle/>
+          <a:p>
+            <a:r>
+              <a:rPr lang="en-US" altLang="zh-TW" sz="4000" b="1" dirty="0">
+                <a:solidFill>
+                  <a:srgbClr val="FFFF00"/>
+                </a:solidFill>
+              </a:rPr>
+              <a:t>506.2 Signal and Slot of Button</a:t>
+            </a:r>
+            <a:endParaRPr lang="zh-TW" altLang="en-US" sz="4000" b="1" dirty="0">
+              <a:solidFill>
+                <a:srgbClr val="FFFF00"/>
+              </a:solidFill>
+            </a:endParaRPr>
+          </a:p>
+        </p:txBody>
+      </p:sp>
+      <p:sp>
+        <p:nvSpPr>
+          <p:cNvPr id="5" name="日期版面配置區 4"/>
+          <p:cNvSpPr>
+            <a:spLocks noGrp="1"/>
+          </p:cNvSpPr>
+          <p:nvPr>
+            <p:ph type="dt" sz="half" idx="10"/>
+          </p:nvPr>
+        </p:nvSpPr>
+        <p:spPr/>
+        <p:txBody>
+          <a:bodyPr/>
+          <a:lstStyle/>
+          <a:p>
+            <a:fld id="{C389EDC9-19E3-47AC-9C57-C6A24DEA81AD}" type="datetime1">
+              <a:rPr lang="zh-TW" altLang="en-US" smtClean="0"/>
+              <a:pPr/>
+              <a:t>2022/10/31</a:t>
+            </a:fld>
+            <a:endParaRPr lang="zh-TW" altLang="en-US"/>
+          </a:p>
+        </p:txBody>
+      </p:sp>
+      <p:sp>
+        <p:nvSpPr>
+          <p:cNvPr id="6" name="投影片編號版面配置區 5"/>
+          <p:cNvSpPr>
+            <a:spLocks noGrp="1"/>
+          </p:cNvSpPr>
+          <p:nvPr>
+            <p:ph type="sldNum" sz="quarter" idx="12"/>
+          </p:nvPr>
+        </p:nvSpPr>
+        <p:spPr/>
+        <p:txBody>
+          <a:bodyPr/>
+          <a:lstStyle/>
+          <a:p>
+            <a:fld id="{E4D7E63D-91F2-4366-A2C4-1B00C9E2590E}" type="slidenum">
+              <a:rPr lang="zh-TW" altLang="en-US" smtClean="0"/>
+              <a:pPr/>
+              <a:t>6</a:t>
+            </a:fld>
+            <a:endParaRPr lang="zh-TW" altLang="en-US"/>
+          </a:p>
+        </p:txBody>
+      </p:sp>
+      <p:pic>
+        <p:nvPicPr>
+          <p:cNvPr id="1026" name="Picture 2" descr="Image result for Qt logo">
+            <a:extLst>
+              <a:ext uri="{FF2B5EF4-FFF2-40B4-BE49-F238E27FC236}">
+                <a16:creationId xmlns:a16="http://schemas.microsoft.com/office/drawing/2014/main" id="{5BB30E86-0076-AFE3-8108-81F5E04DE19B}"/>
+              </a:ext>
+            </a:extLst>
+          </p:cNvPr>
+          <p:cNvPicPr>
+            <a:picLocks noChangeAspect="1" noChangeArrowheads="1"/>
+          </p:cNvPicPr>
+          <p:nvPr/>
+        </p:nvPicPr>
+        <p:blipFill>
+          <a:blip r:embed="rId2">
+            <a:extLst>
+              <a:ext uri="{28A0092B-C50C-407E-A947-70E740481C1C}">
+                <a14:useLocalDpi xmlns:a14="http://schemas.microsoft.com/office/drawing/2010/main" val="0"/>
+              </a:ext>
+            </a:extLst>
+          </a:blip>
+          <a:srcRect/>
+          <a:stretch>
+            <a:fillRect/>
+          </a:stretch>
+        </p:blipFill>
+        <p:spPr bwMode="auto">
+          <a:xfrm>
+            <a:off x="3923928" y="3665344"/>
+            <a:ext cx="1296144" cy="950506"/>
+          </a:xfrm>
+          <a:prstGeom prst="rect">
+            <a:avLst/>
+          </a:prstGeom>
+          <a:noFill/>
+          <a:extLst>
+            <a:ext uri="{909E8E84-426E-40DD-AFC4-6F175D3DCCD1}">
+              <a14:hiddenFill xmlns:a14="http://schemas.microsoft.com/office/drawing/2010/main">
+                <a:solidFill>
+                  <a:srgbClr val="FFFFFF"/>
+                </a:solidFill>
+              </a14:hiddenFill>
+            </a:ext>
+          </a:extLst>
+        </p:spPr>
+      </p:pic>
+    </p:spTree>
+    <p:extLst>
+      <p:ext uri="{BB962C8B-B14F-4D97-AF65-F5344CB8AC3E}">
+        <p14:creationId xmlns:p14="http://schemas.microsoft.com/office/powerpoint/2010/main" val="2428464790"/>
+      </p:ext>
+    </p:extLst>
+  </p:cSld>
+  <p:clrMapOvr>
+    <a:masterClrMapping/>
+  </p:clrMapOvr>
+</p:sld>
+</file>
+
+<file path=ppt/slides/slide7.xml><?xml version="1.0" encoding="utf-8"?>
+<p:sld xmlns:a="http://schemas.openxmlformats.org/drawingml/2006/main" xmlns:r="http://schemas.openxmlformats.org/officeDocument/2006/relationships" xmlns:p="http://schemas.openxmlformats.org/presentationml/2006/main">
+  <p:cSld>
+    <p:spTree>
+      <p:nvGrpSpPr>
+        <p:cNvPr id="1" name=""/>
+        <p:cNvGrpSpPr/>
+        <p:nvPr/>
+      </p:nvGrpSpPr>
+      <p:grpSpPr>
+        <a:xfrm>
+          <a:off x="0" y="0"/>
+          <a:ext cx="0" cy="0"/>
+          <a:chOff x="0" y="0"/>
+          <a:chExt cx="0" cy="0"/>
+        </a:xfrm>
+      </p:grpSpPr>
+      <p:sp>
+        <p:nvSpPr>
+          <p:cNvPr id="2" name="標題 1"/>
+          <p:cNvSpPr>
+            <a:spLocks noGrp="1"/>
+          </p:cNvSpPr>
+          <p:nvPr>
+            <p:ph type="ctrTitle"/>
+          </p:nvPr>
+        </p:nvSpPr>
+        <p:spPr>
+          <a:xfrm>
+            <a:off x="0" y="1"/>
+            <a:ext cx="9144000" cy="764704"/>
+          </a:xfrm>
+          <a:gradFill flip="none" rotWithShape="1">
+            <a:gsLst>
+              <a:gs pos="0">
+                <a:srgbClr val="C00000">
+                  <a:shade val="30000"/>
+                  <a:satMod val="115000"/>
+                </a:srgbClr>
+              </a:gs>
+              <a:gs pos="50000">
+                <a:srgbClr val="C00000">
+                  <a:shade val="67500"/>
+                  <a:satMod val="115000"/>
+                </a:srgbClr>
+              </a:gs>
+              <a:gs pos="100000">
+                <a:srgbClr val="C00000">
+                  <a:shade val="100000"/>
+                  <a:satMod val="115000"/>
+                </a:srgbClr>
+              </a:gs>
+            </a:gsLst>
+            <a:path path="circle">
+              <a:fillToRect t="100000" r="100000"/>
+            </a:path>
+            <a:tileRect l="-100000" b="-100000"/>
+          </a:gradFill>
+        </p:spPr>
+        <p:txBody>
+          <a:bodyPr>
+            <a:normAutofit/>
+          </a:bodyPr>
+          <a:lstStyle/>
+          <a:p>
+            <a:pPr algn="l"/>
+            <a:r>
+              <a:rPr lang="en-US" altLang="zh-TW" sz="4000" b="1" dirty="0">
+                <a:solidFill>
+                  <a:srgbClr val="FFFF00"/>
+                </a:solidFill>
+              </a:rPr>
+              <a:t>506.2 Signal and Slot of Button</a:t>
+            </a:r>
+            <a:endParaRPr lang="zh-TW" altLang="en-US" sz="4000" b="1" dirty="0">
+              <a:solidFill>
+                <a:srgbClr val="FFFF00"/>
+              </a:solidFill>
+            </a:endParaRPr>
+          </a:p>
+        </p:txBody>
+      </p:sp>
+      <p:sp>
+        <p:nvSpPr>
+          <p:cNvPr id="3" name="副標題 2"/>
+          <p:cNvSpPr>
+            <a:spLocks noGrp="1"/>
+          </p:cNvSpPr>
+          <p:nvPr>
+            <p:ph type="subTitle" idx="1"/>
+          </p:nvPr>
+        </p:nvSpPr>
+        <p:spPr>
+          <a:xfrm>
+            <a:off x="438024" y="1250427"/>
+            <a:ext cx="8248776" cy="3258693"/>
+          </a:xfrm>
+          <a:ln>
+            <a:solidFill>
+              <a:srgbClr val="C00000"/>
+            </a:solidFill>
+          </a:ln>
+        </p:spPr>
+        <p:txBody>
+          <a:bodyPr>
+            <a:noAutofit/>
+          </a:bodyPr>
+          <a:lstStyle/>
+          <a:p>
+            <a:pPr marL="342900" indent="-342900" algn="l">
+              <a:buClr>
+                <a:srgbClr val="0070C0"/>
+              </a:buClr>
+              <a:buSzPct val="80000"/>
+              <a:buFont typeface="Wingdings" pitchFamily="2" charset="2"/>
+              <a:buChar char="u"/>
+            </a:pPr>
+            <a:r>
+              <a:rPr lang="en-US" sz="1800" b="1" dirty="0">
+                <a:solidFill>
+                  <a:schemeClr val="tx1"/>
+                </a:solidFill>
+              </a:rPr>
+              <a:t>Signal and Slot of Button</a:t>
+            </a:r>
+          </a:p>
+          <a:p>
+            <a:pPr marL="342900" indent="-342900" algn="l">
+              <a:buClr>
+                <a:srgbClr val="0070C0"/>
+              </a:buClr>
+              <a:buSzPct val="80000"/>
+              <a:buFont typeface="Wingdings" pitchFamily="2" charset="2"/>
+              <a:buChar char="u"/>
+            </a:pPr>
+            <a:r>
+              <a:rPr lang="en-US" sz="1800" dirty="0">
+                <a:solidFill>
+                  <a:schemeClr val="tx1"/>
+                </a:solidFill>
+              </a:rPr>
+              <a:t>Now, we need the signal and slot for the button.</a:t>
+            </a:r>
+          </a:p>
+          <a:p>
+            <a:pPr marL="342900" indent="-342900" algn="l">
+              <a:buClr>
+                <a:srgbClr val="0070C0"/>
+              </a:buClr>
+              <a:buSzPct val="80000"/>
+              <a:buFont typeface="Wingdings" pitchFamily="2" charset="2"/>
+              <a:buChar char="u"/>
+            </a:pPr>
+            <a:r>
+              <a:rPr lang="en-US" sz="1800" dirty="0">
+                <a:solidFill>
+                  <a:schemeClr val="tx1"/>
+                </a:solidFill>
+              </a:rPr>
+              <a:t>Signal and slot allow us to add functionality to the widget or functionality to the button.</a:t>
+            </a:r>
+          </a:p>
+          <a:p>
+            <a:pPr marL="342900" indent="-342900" algn="l">
+              <a:buClr>
+                <a:srgbClr val="0070C0"/>
+              </a:buClr>
+              <a:buSzPct val="80000"/>
+              <a:buFont typeface="Wingdings" pitchFamily="2" charset="2"/>
+              <a:buChar char="u"/>
+            </a:pPr>
+            <a:r>
+              <a:rPr lang="en-US" sz="1800" dirty="0">
+                <a:solidFill>
+                  <a:schemeClr val="tx1"/>
+                </a:solidFill>
+              </a:rPr>
+              <a:t>Before, we display the button on the screen, we want to use QObject to connect  signal and slot.</a:t>
+            </a:r>
+          </a:p>
+          <a:p>
+            <a:pPr marL="342900" indent="-342900" algn="l">
+              <a:buClr>
+                <a:srgbClr val="0070C0"/>
+              </a:buClr>
+              <a:buSzPct val="80000"/>
+              <a:buFont typeface="Wingdings" pitchFamily="2" charset="2"/>
+              <a:buChar char="u"/>
+            </a:pPr>
+            <a:r>
+              <a:rPr lang="en-US" sz="1800" dirty="0">
+                <a:solidFill>
+                  <a:schemeClr val="tx1"/>
+                </a:solidFill>
+              </a:rPr>
+              <a:t>QObject::connect(button, SIGNAL(), &amp;app, SLOT()) takes several parameters. </a:t>
+            </a:r>
+          </a:p>
+          <a:p>
+            <a:pPr marL="342900" indent="-342900" algn="l">
+              <a:buClr>
+                <a:srgbClr val="0070C0"/>
+              </a:buClr>
+              <a:buSzPct val="80000"/>
+              <a:buFont typeface="Wingdings" pitchFamily="2" charset="2"/>
+              <a:buChar char="u"/>
+            </a:pPr>
+            <a:r>
+              <a:rPr lang="en-US" sz="1800" dirty="0">
+                <a:solidFill>
+                  <a:schemeClr val="tx1"/>
+                </a:solidFill>
+              </a:rPr>
+              <a:t>We will discuss first (button) and third (&amp;app) parameters later.</a:t>
+            </a:r>
+          </a:p>
+          <a:p>
+            <a:pPr marL="342900" indent="-342900" algn="l">
+              <a:buClr>
+                <a:srgbClr val="0070C0"/>
+              </a:buClr>
+              <a:buSzPct val="80000"/>
+              <a:buFont typeface="Wingdings" pitchFamily="2" charset="2"/>
+              <a:buChar char="u"/>
+            </a:pPr>
+            <a:r>
+              <a:rPr lang="en-US" sz="1800" dirty="0">
+                <a:solidFill>
+                  <a:schemeClr val="tx1"/>
+                </a:solidFill>
+              </a:rPr>
+              <a:t>Now, we only focus on SIGNAL() and SLOT() parameters.</a:t>
+            </a:r>
+          </a:p>
+          <a:p>
+            <a:pPr marL="342900" indent="-342900" algn="l">
+              <a:buClr>
+                <a:srgbClr val="0070C0"/>
+              </a:buClr>
+              <a:buSzPct val="80000"/>
+              <a:buFont typeface="Wingdings" pitchFamily="2" charset="2"/>
+              <a:buChar char="u"/>
+            </a:pPr>
+            <a:r>
+              <a:rPr lang="en-US" sz="1800" dirty="0">
+                <a:solidFill>
+                  <a:schemeClr val="tx1"/>
+                </a:solidFill>
+              </a:rPr>
+              <a:t>When user click a button, a signal is going to be generated at SIGNAL().</a:t>
+            </a:r>
+          </a:p>
+        </p:txBody>
+      </p:sp>
+      <p:sp>
+        <p:nvSpPr>
+          <p:cNvPr id="4" name="標題 1"/>
+          <p:cNvSpPr txBox="1">
+            <a:spLocks/>
+          </p:cNvSpPr>
+          <p:nvPr/>
+        </p:nvSpPr>
+        <p:spPr>
+          <a:xfrm>
+            <a:off x="0" y="764704"/>
+            <a:ext cx="9144000" cy="360040"/>
+          </a:xfrm>
+          <a:prstGeom prst="rect">
+            <a:avLst/>
+          </a:prstGeom>
+          <a:gradFill flip="none" rotWithShape="1">
+            <a:gsLst>
+              <a:gs pos="0">
+                <a:srgbClr val="00B0F0">
+                  <a:shade val="30000"/>
+                  <a:satMod val="115000"/>
+                </a:srgbClr>
+              </a:gs>
+              <a:gs pos="50000">
+                <a:srgbClr val="00B0F0">
+                  <a:shade val="67500"/>
+                  <a:satMod val="115000"/>
+                </a:srgbClr>
+              </a:gs>
+              <a:gs pos="100000">
+                <a:srgbClr val="00B0F0">
+                  <a:shade val="100000"/>
+                  <a:satMod val="115000"/>
+                </a:srgbClr>
+              </a:gs>
+            </a:gsLst>
+            <a:path path="circle">
+              <a:fillToRect t="100000" r="100000"/>
+            </a:path>
+            <a:tileRect l="-100000" b="-100000"/>
+          </a:gradFill>
+        </p:spPr>
+        <p:txBody>
+          <a:bodyPr vert="horz" lIns="91440" tIns="45720" rIns="91440" bIns="45720" rtlCol="0" anchor="ctr">
+            <a:normAutofit/>
+          </a:bodyPr>
+          <a:lstStyle/>
+          <a:p>
+            <a:pPr lvl="0">
+              <a:spcBef>
+                <a:spcPct val="0"/>
+              </a:spcBef>
+            </a:pPr>
+            <a:r>
+              <a:rPr lang="en-US" sz="1600" dirty="0"/>
+              <a:t>https://www.youtube.com/watch?v=swZNOKKkQiw&amp;list=PLD0D54219E5F2544D&amp;index=6</a:t>
+            </a:r>
+            <a:endParaRPr kumimoji="0" lang="zh-TW" altLang="en-US" sz="1600" b="0" i="0" u="none" strike="noStrike" kern="1200" cap="none" spc="0" normalizeH="0" baseline="0" noProof="0" dirty="0">
+              <a:ln>
+                <a:noFill/>
+              </a:ln>
+              <a:solidFill>
+                <a:schemeClr val="tx1"/>
+              </a:solidFill>
+              <a:effectLst/>
+              <a:uLnTx/>
+              <a:uFillTx/>
+              <a:latin typeface="+mj-lt"/>
+              <a:ea typeface="+mj-ea"/>
+              <a:cs typeface="+mj-cs"/>
+            </a:endParaRPr>
+          </a:p>
+        </p:txBody>
+      </p:sp>
+      <p:sp>
+        <p:nvSpPr>
+          <p:cNvPr id="5" name="日期版面配置區 4"/>
+          <p:cNvSpPr>
+            <a:spLocks noGrp="1"/>
+          </p:cNvSpPr>
+          <p:nvPr>
+            <p:ph type="dt" sz="half" idx="10"/>
+          </p:nvPr>
+        </p:nvSpPr>
+        <p:spPr/>
+        <p:txBody>
+          <a:bodyPr/>
+          <a:lstStyle/>
+          <a:p>
+            <a:fld id="{A4F910E6-8D00-4BAF-8C48-9688E0B449D3}" type="datetime1">
+              <a:rPr lang="zh-TW" altLang="en-US" smtClean="0"/>
+              <a:pPr/>
+              <a:t>2022/10/31</a:t>
+            </a:fld>
+            <a:endParaRPr lang="zh-TW" altLang="en-US"/>
+          </a:p>
+        </p:txBody>
+      </p:sp>
+      <p:sp>
+        <p:nvSpPr>
+          <p:cNvPr id="6" name="投影片編號版面配置區 5"/>
+          <p:cNvSpPr>
+            <a:spLocks noGrp="1"/>
+          </p:cNvSpPr>
+          <p:nvPr>
+            <p:ph type="sldNum" sz="quarter" idx="12"/>
+          </p:nvPr>
+        </p:nvSpPr>
+        <p:spPr/>
+        <p:txBody>
+          <a:bodyPr/>
+          <a:lstStyle/>
+          <a:p>
+            <a:fld id="{E4D7E63D-91F2-4366-A2C4-1B00C9E2590E}" type="slidenum">
+              <a:rPr lang="zh-TW" altLang="en-US" smtClean="0"/>
+              <a:pPr/>
+              <a:t>7</a:t>
+            </a:fld>
+            <a:endParaRPr lang="zh-TW" altLang="en-US"/>
+          </a:p>
+        </p:txBody>
+      </p:sp>
+      <p:pic>
+        <p:nvPicPr>
+          <p:cNvPr id="11" name="Picture 10">
+            <a:extLst>
+              <a:ext uri="{FF2B5EF4-FFF2-40B4-BE49-F238E27FC236}">
+                <a16:creationId xmlns:a16="http://schemas.microsoft.com/office/drawing/2014/main" id="{6B463C2E-F716-7849-29C9-0328E4EBBF3D}"/>
+              </a:ext>
+            </a:extLst>
+          </p:cNvPr>
+          <p:cNvPicPr>
+            <a:picLocks noChangeAspect="1"/>
+          </p:cNvPicPr>
+          <p:nvPr/>
+        </p:nvPicPr>
+        <p:blipFill>
+          <a:blip r:embed="rId2"/>
+          <a:stretch>
+            <a:fillRect/>
+          </a:stretch>
+        </p:blipFill>
+        <p:spPr>
+          <a:xfrm>
+            <a:off x="1691680" y="4627429"/>
+            <a:ext cx="6191250" cy="1933575"/>
+          </a:xfrm>
+          <a:prstGeom prst="rect">
+            <a:avLst/>
+          </a:prstGeom>
+          <a:ln>
+            <a:solidFill>
+              <a:srgbClr val="C00000"/>
+            </a:solidFill>
+          </a:ln>
+        </p:spPr>
+      </p:pic>
+      <p:sp>
+        <p:nvSpPr>
+          <p:cNvPr id="13" name="Rectangle 12">
+            <a:extLst>
+              <a:ext uri="{FF2B5EF4-FFF2-40B4-BE49-F238E27FC236}">
+                <a16:creationId xmlns:a16="http://schemas.microsoft.com/office/drawing/2014/main" id="{01B3F8A9-2D4A-2929-10F2-7882D32ABFF0}"/>
+              </a:ext>
+            </a:extLst>
+          </p:cNvPr>
+          <p:cNvSpPr/>
+          <p:nvPr/>
+        </p:nvSpPr>
+        <p:spPr>
+          <a:xfrm>
+            <a:off x="2051720" y="5607573"/>
+            <a:ext cx="5688632" cy="365125"/>
+          </a:xfrm>
+          <a:prstGeom prst="rect">
+            <a:avLst/>
+          </a:prstGeom>
+          <a:noFill/>
+          <a:ln>
+            <a:solidFill>
+              <a:srgbClr val="C00000"/>
+            </a:solidFill>
+          </a:ln>
+        </p:spPr>
+        <p:style>
+          <a:lnRef idx="2">
+            <a:schemeClr val="accent1">
+              <a:shade val="50000"/>
+            </a:schemeClr>
+          </a:lnRef>
+          <a:fillRef idx="1">
+            <a:schemeClr val="accent1"/>
+          </a:fillRef>
+          <a:effectRef idx="0">
+            <a:schemeClr val="accent1"/>
+          </a:effectRef>
+          <a:fontRef idx="minor">
+            <a:schemeClr val="lt1"/>
+          </a:fontRef>
+        </p:style>
+        <p:txBody>
+          <a:bodyPr rtlCol="0" anchor="ctr"/>
+          <a:lstStyle/>
+          <a:p>
+            <a:pPr algn="ctr"/>
+            <a:endParaRPr lang="en-US"/>
+          </a:p>
+        </p:txBody>
+      </p:sp>
+    </p:spTree>
+    <p:extLst>
+      <p:ext uri="{BB962C8B-B14F-4D97-AF65-F5344CB8AC3E}">
+        <p14:creationId xmlns:p14="http://schemas.microsoft.com/office/powerpoint/2010/main" val="4037308985"/>
+      </p:ext>
+    </p:extLst>
+  </p:cSld>
+  <p:clrMapOvr>
+    <a:masterClrMapping/>
+  </p:clrMapOvr>
+</p:sld>
+</file>
+
+<file path=ppt/slides/slide8.xml><?xml version="1.0" encoding="utf-8"?>
+<p:sld xmlns:a="http://schemas.openxmlformats.org/drawingml/2006/main" xmlns:r="http://schemas.openxmlformats.org/officeDocument/2006/relationships" xmlns:p="http://schemas.openxmlformats.org/presentationml/2006/main">
+  <p:cSld>
+    <p:spTree>
+      <p:nvGrpSpPr>
+        <p:cNvPr id="1" name=""/>
+        <p:cNvGrpSpPr/>
+        <p:nvPr/>
+      </p:nvGrpSpPr>
+      <p:grpSpPr>
+        <a:xfrm>
+          <a:off x="0" y="0"/>
+          <a:ext cx="0" cy="0"/>
+          <a:chOff x="0" y="0"/>
+          <a:chExt cx="0" cy="0"/>
+        </a:xfrm>
+      </p:grpSpPr>
+      <p:sp>
+        <p:nvSpPr>
+          <p:cNvPr id="2" name="標題 1"/>
+          <p:cNvSpPr>
+            <a:spLocks noGrp="1"/>
+          </p:cNvSpPr>
+          <p:nvPr>
+            <p:ph type="ctrTitle"/>
+          </p:nvPr>
+        </p:nvSpPr>
+        <p:spPr>
+          <a:xfrm>
+            <a:off x="0" y="1"/>
+            <a:ext cx="9144000" cy="764704"/>
+          </a:xfrm>
+          <a:gradFill flip="none" rotWithShape="1">
+            <a:gsLst>
+              <a:gs pos="0">
+                <a:srgbClr val="C00000">
+                  <a:shade val="30000"/>
+                  <a:satMod val="115000"/>
+                </a:srgbClr>
+              </a:gs>
+              <a:gs pos="50000">
+                <a:srgbClr val="C00000">
+                  <a:shade val="67500"/>
+                  <a:satMod val="115000"/>
+                </a:srgbClr>
+              </a:gs>
+              <a:gs pos="100000">
+                <a:srgbClr val="C00000">
+                  <a:shade val="100000"/>
+                  <a:satMod val="115000"/>
+                </a:srgbClr>
+              </a:gs>
+            </a:gsLst>
+            <a:path path="circle">
+              <a:fillToRect t="100000" r="100000"/>
+            </a:path>
+            <a:tileRect l="-100000" b="-100000"/>
+          </a:gradFill>
+        </p:spPr>
+        <p:txBody>
+          <a:bodyPr>
+            <a:normAutofit/>
+          </a:bodyPr>
+          <a:lstStyle/>
+          <a:p>
+            <a:pPr algn="l"/>
+            <a:r>
+              <a:rPr lang="en-US" altLang="zh-TW" sz="4000" b="1" dirty="0">
+                <a:solidFill>
+                  <a:srgbClr val="FFFF00"/>
+                </a:solidFill>
+              </a:rPr>
+              <a:t>506.2 Signal and Slot of Button</a:t>
+            </a:r>
+            <a:endParaRPr lang="zh-TW" altLang="en-US" sz="4000" b="1" dirty="0">
+              <a:solidFill>
+                <a:srgbClr val="FFFF00"/>
+              </a:solidFill>
+            </a:endParaRPr>
+          </a:p>
+        </p:txBody>
+      </p:sp>
+      <p:sp>
+        <p:nvSpPr>
+          <p:cNvPr id="3" name="副標題 2"/>
+          <p:cNvSpPr>
+            <a:spLocks noGrp="1"/>
+          </p:cNvSpPr>
+          <p:nvPr>
+            <p:ph type="subTitle" idx="1"/>
+          </p:nvPr>
+        </p:nvSpPr>
+        <p:spPr>
+          <a:xfrm>
+            <a:off x="438024" y="1250427"/>
+            <a:ext cx="8248776" cy="2807223"/>
+          </a:xfrm>
+          <a:ln>
+            <a:solidFill>
+              <a:srgbClr val="C00000"/>
+            </a:solidFill>
+          </a:ln>
+        </p:spPr>
+        <p:txBody>
+          <a:bodyPr>
+            <a:noAutofit/>
+          </a:bodyPr>
+          <a:lstStyle/>
+          <a:p>
+            <a:pPr marL="342900" indent="-342900" algn="l">
+              <a:buClr>
+                <a:srgbClr val="0070C0"/>
+              </a:buClr>
+              <a:buSzPct val="80000"/>
+              <a:buFont typeface="Wingdings" pitchFamily="2" charset="2"/>
+              <a:buChar char="u"/>
+            </a:pPr>
+            <a:r>
+              <a:rPr lang="en-US" sz="1800" b="1" dirty="0">
+                <a:solidFill>
+                  <a:schemeClr val="tx1"/>
+                </a:solidFill>
+              </a:rPr>
+              <a:t>Signal and Slot of Button</a:t>
+            </a:r>
+          </a:p>
+          <a:p>
+            <a:pPr marL="342900" indent="-342900" algn="l">
+              <a:buClr>
+                <a:srgbClr val="0070C0"/>
+              </a:buClr>
+              <a:buSzPct val="80000"/>
+              <a:buFont typeface="Wingdings" pitchFamily="2" charset="2"/>
+              <a:buChar char="u"/>
+            </a:pPr>
+            <a:r>
+              <a:rPr lang="en-US" sz="1800" dirty="0">
+                <a:solidFill>
+                  <a:schemeClr val="tx1"/>
+                </a:solidFill>
+              </a:rPr>
+              <a:t>Signal can be generated when user slide a slider, choose an option from a drop-down menu, or click the button.</a:t>
+            </a:r>
+          </a:p>
+          <a:p>
+            <a:pPr marL="342900" indent="-342900" algn="l">
+              <a:buClr>
+                <a:srgbClr val="0070C0"/>
+              </a:buClr>
+              <a:buSzPct val="80000"/>
+              <a:buFont typeface="Wingdings" pitchFamily="2" charset="2"/>
+              <a:buChar char="u"/>
+            </a:pPr>
+            <a:r>
+              <a:rPr lang="en-US" sz="1800" dirty="0">
+                <a:solidFill>
+                  <a:schemeClr val="tx1"/>
+                </a:solidFill>
+              </a:rPr>
+              <a:t>Since we only concern about generating a signal whenever the user click that button, we add the “SIGNAL (clicked())”. This means generate a signal whenever the user click the button.</a:t>
+            </a:r>
+          </a:p>
+          <a:p>
+            <a:pPr marL="342900" indent="-342900" algn="l">
+              <a:buClr>
+                <a:srgbClr val="0070C0"/>
+              </a:buClr>
+              <a:buSzPct val="80000"/>
+              <a:buFont typeface="Wingdings" pitchFamily="2" charset="2"/>
+              <a:buChar char="u"/>
+            </a:pPr>
+            <a:r>
+              <a:rPr lang="en-US" sz="1800" dirty="0">
+                <a:solidFill>
+                  <a:schemeClr val="tx1"/>
+                </a:solidFill>
+              </a:rPr>
+              <a:t>We can use the “connect(button, SIGNAL(clicked), &amp;app, SLOY())” function to associate the signal to which is clicked with a certain function.</a:t>
+            </a:r>
+          </a:p>
+        </p:txBody>
+      </p:sp>
+      <p:sp>
+        <p:nvSpPr>
+          <p:cNvPr id="4" name="標題 1"/>
+          <p:cNvSpPr txBox="1">
+            <a:spLocks/>
+          </p:cNvSpPr>
+          <p:nvPr/>
+        </p:nvSpPr>
+        <p:spPr>
+          <a:xfrm>
+            <a:off x="0" y="764704"/>
+            <a:ext cx="9144000" cy="360040"/>
+          </a:xfrm>
+          <a:prstGeom prst="rect">
+            <a:avLst/>
+          </a:prstGeom>
+          <a:gradFill flip="none" rotWithShape="1">
+            <a:gsLst>
+              <a:gs pos="0">
+                <a:srgbClr val="00B0F0">
+                  <a:shade val="30000"/>
+                  <a:satMod val="115000"/>
+                </a:srgbClr>
+              </a:gs>
+              <a:gs pos="50000">
+                <a:srgbClr val="00B0F0">
+                  <a:shade val="67500"/>
+                  <a:satMod val="115000"/>
+                </a:srgbClr>
+              </a:gs>
+              <a:gs pos="100000">
+                <a:srgbClr val="00B0F0">
+                  <a:shade val="100000"/>
+                  <a:satMod val="115000"/>
+                </a:srgbClr>
+              </a:gs>
+            </a:gsLst>
+            <a:path path="circle">
+              <a:fillToRect t="100000" r="100000"/>
+            </a:path>
+            <a:tileRect l="-100000" b="-100000"/>
+          </a:gradFill>
+        </p:spPr>
+        <p:txBody>
+          <a:bodyPr vert="horz" lIns="91440" tIns="45720" rIns="91440" bIns="45720" rtlCol="0" anchor="ctr">
+            <a:normAutofit/>
+          </a:bodyPr>
+          <a:lstStyle/>
+          <a:p>
+            <a:pPr lvl="0">
+              <a:spcBef>
+                <a:spcPct val="0"/>
+              </a:spcBef>
+            </a:pPr>
+            <a:r>
+              <a:rPr lang="en-US" sz="1600" dirty="0"/>
+              <a:t>https://www.youtube.com/watch?v=swZNOKKkQiw&amp;list=PLD0D54219E5F2544D&amp;index=6</a:t>
+            </a:r>
+            <a:endParaRPr kumimoji="0" lang="zh-TW" altLang="en-US" sz="1600" b="0" i="0" u="none" strike="noStrike" kern="1200" cap="none" spc="0" normalizeH="0" baseline="0" noProof="0" dirty="0">
+              <a:ln>
+                <a:noFill/>
+              </a:ln>
+              <a:solidFill>
+                <a:schemeClr val="tx1"/>
+              </a:solidFill>
+              <a:effectLst/>
+              <a:uLnTx/>
+              <a:uFillTx/>
+              <a:latin typeface="+mj-lt"/>
+              <a:ea typeface="+mj-ea"/>
+              <a:cs typeface="+mj-cs"/>
+            </a:endParaRPr>
+          </a:p>
+        </p:txBody>
+      </p:sp>
+      <p:sp>
+        <p:nvSpPr>
+          <p:cNvPr id="5" name="日期版面配置區 4"/>
+          <p:cNvSpPr>
+            <a:spLocks noGrp="1"/>
+          </p:cNvSpPr>
+          <p:nvPr>
+            <p:ph type="dt" sz="half" idx="10"/>
+          </p:nvPr>
+        </p:nvSpPr>
+        <p:spPr/>
+        <p:txBody>
+          <a:bodyPr/>
+          <a:lstStyle/>
+          <a:p>
+            <a:fld id="{A4F910E6-8D00-4BAF-8C48-9688E0B449D3}" type="datetime1">
+              <a:rPr lang="zh-TW" altLang="en-US" smtClean="0"/>
+              <a:pPr/>
+              <a:t>2022/10/31</a:t>
+            </a:fld>
+            <a:endParaRPr lang="zh-TW" altLang="en-US"/>
+          </a:p>
+        </p:txBody>
+      </p:sp>
+      <p:sp>
+        <p:nvSpPr>
+          <p:cNvPr id="6" name="投影片編號版面配置區 5"/>
+          <p:cNvSpPr>
+            <a:spLocks noGrp="1"/>
+          </p:cNvSpPr>
+          <p:nvPr>
+            <p:ph type="sldNum" sz="quarter" idx="12"/>
+          </p:nvPr>
+        </p:nvSpPr>
+        <p:spPr/>
+        <p:txBody>
+          <a:bodyPr/>
+          <a:lstStyle/>
+          <a:p>
+            <a:fld id="{E4D7E63D-91F2-4366-A2C4-1B00C9E2590E}" type="slidenum">
+              <a:rPr lang="zh-TW" altLang="en-US" smtClean="0"/>
+              <a:pPr/>
+              <a:t>8</a:t>
+            </a:fld>
+            <a:endParaRPr lang="zh-TW" altLang="en-US"/>
+          </a:p>
+        </p:txBody>
+      </p:sp>
+      <p:pic>
+        <p:nvPicPr>
+          <p:cNvPr id="7" name="Picture 6">
+            <a:extLst>
+              <a:ext uri="{FF2B5EF4-FFF2-40B4-BE49-F238E27FC236}">
+                <a16:creationId xmlns:a16="http://schemas.microsoft.com/office/drawing/2014/main" id="{7EC4AE9B-F5CE-CDF4-FDA1-C34C3C1E0067}"/>
+              </a:ext>
+            </a:extLst>
+          </p:cNvPr>
+          <p:cNvPicPr>
+            <a:picLocks noChangeAspect="1"/>
+          </p:cNvPicPr>
+          <p:nvPr/>
+        </p:nvPicPr>
+        <p:blipFill>
+          <a:blip r:embed="rId2"/>
+          <a:stretch>
+            <a:fillRect/>
+          </a:stretch>
+        </p:blipFill>
+        <p:spPr>
+          <a:xfrm>
+            <a:off x="1403648" y="4422775"/>
+            <a:ext cx="6191250" cy="1933575"/>
+          </a:xfrm>
+          <a:prstGeom prst="rect">
+            <a:avLst/>
+          </a:prstGeom>
+          <a:ln>
+            <a:solidFill>
+              <a:srgbClr val="C00000"/>
+            </a:solidFill>
+          </a:ln>
+        </p:spPr>
+      </p:pic>
+      <p:sp>
+        <p:nvSpPr>
+          <p:cNvPr id="8" name="Rectangle 7">
+            <a:extLst>
+              <a:ext uri="{FF2B5EF4-FFF2-40B4-BE49-F238E27FC236}">
+                <a16:creationId xmlns:a16="http://schemas.microsoft.com/office/drawing/2014/main" id="{275A914D-6C90-6558-CE97-ADB126214029}"/>
+              </a:ext>
+            </a:extLst>
+          </p:cNvPr>
+          <p:cNvSpPr/>
+          <p:nvPr/>
+        </p:nvSpPr>
+        <p:spPr>
+          <a:xfrm>
+            <a:off x="1763688" y="5402919"/>
+            <a:ext cx="5688632" cy="365125"/>
+          </a:xfrm>
+          <a:prstGeom prst="rect">
+            <a:avLst/>
+          </a:prstGeom>
+          <a:noFill/>
+          <a:ln>
+            <a:solidFill>
+              <a:srgbClr val="C00000"/>
+            </a:solidFill>
+          </a:ln>
+        </p:spPr>
+        <p:style>
+          <a:lnRef idx="2">
+            <a:schemeClr val="accent1">
+              <a:shade val="50000"/>
+            </a:schemeClr>
+          </a:lnRef>
+          <a:fillRef idx="1">
+            <a:schemeClr val="accent1"/>
+          </a:fillRef>
+          <a:effectRef idx="0">
+            <a:schemeClr val="accent1"/>
+          </a:effectRef>
+          <a:fontRef idx="minor">
+            <a:schemeClr val="lt1"/>
+          </a:fontRef>
+        </p:style>
+        <p:txBody>
+          <a:bodyPr rtlCol="0" anchor="ctr"/>
+          <a:lstStyle/>
+          <a:p>
+            <a:pPr algn="ctr"/>
+            <a:endParaRPr lang="en-US"/>
+          </a:p>
+        </p:txBody>
+      </p:sp>
+    </p:spTree>
+    <p:extLst>
+      <p:ext uri="{BB962C8B-B14F-4D97-AF65-F5344CB8AC3E}">
+        <p14:creationId xmlns:p14="http://schemas.microsoft.com/office/powerpoint/2010/main" val="4190892876"/>
+      </p:ext>
+    </p:extLst>
+  </p:cSld>
+  <p:clrMapOvr>
+    <a:masterClrMapping/>
+  </p:clrMapOvr>
+</p:sld>
+</file>
+
+<file path=ppt/slides/slide9.xml><?xml version="1.0" encoding="utf-8"?>
+<p:sld xmlns:a="http://schemas.openxmlformats.org/drawingml/2006/main" xmlns:r="http://schemas.openxmlformats.org/officeDocument/2006/relationships" xmlns:p="http://schemas.openxmlformats.org/presentationml/2006/main">
+  <p:cSld>
+    <p:spTree>
+      <p:nvGrpSpPr>
+        <p:cNvPr id="1" name=""/>
+        <p:cNvGrpSpPr/>
+        <p:nvPr/>
+      </p:nvGrpSpPr>
+      <p:grpSpPr>
+        <a:xfrm>
+          <a:off x="0" y="0"/>
+          <a:ext cx="0" cy="0"/>
+          <a:chOff x="0" y="0"/>
+          <a:chExt cx="0" cy="0"/>
+        </a:xfrm>
+      </p:grpSpPr>
+      <p:pic>
+        <p:nvPicPr>
+          <p:cNvPr id="10" name="Picture 9">
+            <a:extLst>
+              <a:ext uri="{FF2B5EF4-FFF2-40B4-BE49-F238E27FC236}">
+                <a16:creationId xmlns:a16="http://schemas.microsoft.com/office/drawing/2014/main" id="{F613879D-3C73-DF7E-0958-47274FE30A9A}"/>
+              </a:ext>
+            </a:extLst>
+          </p:cNvPr>
+          <p:cNvPicPr>
+            <a:picLocks noChangeAspect="1"/>
+          </p:cNvPicPr>
+          <p:nvPr/>
+        </p:nvPicPr>
+        <p:blipFill>
+          <a:blip r:embed="rId2"/>
+          <a:stretch>
+            <a:fillRect/>
+          </a:stretch>
+        </p:blipFill>
+        <p:spPr>
+          <a:xfrm>
+            <a:off x="1187624" y="4299401"/>
+            <a:ext cx="7029450" cy="2200275"/>
+          </a:xfrm>
+          <a:prstGeom prst="rect">
+            <a:avLst/>
+          </a:prstGeom>
+          <a:ln>
+            <a:solidFill>
+              <a:srgbClr val="C00000"/>
+            </a:solidFill>
+          </a:ln>
+        </p:spPr>
+      </p:pic>
+      <p:sp>
+        <p:nvSpPr>
+          <p:cNvPr id="2" name="標題 1"/>
+          <p:cNvSpPr>
+            <a:spLocks noGrp="1"/>
+          </p:cNvSpPr>
+          <p:nvPr>
+            <p:ph type="ctrTitle"/>
+          </p:nvPr>
+        </p:nvSpPr>
+        <p:spPr>
+          <a:xfrm>
+            <a:off x="0" y="1"/>
+            <a:ext cx="9144000" cy="764704"/>
+          </a:xfrm>
+          <a:gradFill flip="none" rotWithShape="1">
+            <a:gsLst>
+              <a:gs pos="0">
+                <a:srgbClr val="C00000">
+                  <a:shade val="30000"/>
+                  <a:satMod val="115000"/>
+                </a:srgbClr>
+              </a:gs>
+              <a:gs pos="50000">
+                <a:srgbClr val="C00000">
+                  <a:shade val="67500"/>
+                  <a:satMod val="115000"/>
+                </a:srgbClr>
+              </a:gs>
+              <a:gs pos="100000">
+                <a:srgbClr val="C00000">
+                  <a:shade val="100000"/>
+                  <a:satMod val="115000"/>
+                </a:srgbClr>
+              </a:gs>
+            </a:gsLst>
+            <a:path path="circle">
+              <a:fillToRect t="100000" r="100000"/>
+            </a:path>
+            <a:tileRect l="-100000" b="-100000"/>
+          </a:gradFill>
+        </p:spPr>
+        <p:txBody>
+          <a:bodyPr>
+            <a:normAutofit/>
+          </a:bodyPr>
+          <a:lstStyle/>
+          <a:p>
+            <a:pPr algn="l"/>
+            <a:r>
+              <a:rPr lang="en-US" altLang="zh-TW" sz="4000" b="1" dirty="0">
+                <a:solidFill>
+                  <a:srgbClr val="FFFF00"/>
+                </a:solidFill>
+              </a:rPr>
+              <a:t>506.2 Signal and Slot of Button</a:t>
+            </a:r>
+            <a:endParaRPr lang="zh-TW" altLang="en-US" sz="4000" b="1" dirty="0">
+              <a:solidFill>
+                <a:srgbClr val="FFFF00"/>
+              </a:solidFill>
+            </a:endParaRPr>
+          </a:p>
+        </p:txBody>
+      </p:sp>
+      <p:sp>
+        <p:nvSpPr>
+          <p:cNvPr id="3" name="副標題 2"/>
+          <p:cNvSpPr>
+            <a:spLocks noGrp="1"/>
+          </p:cNvSpPr>
+          <p:nvPr>
+            <p:ph type="subTitle" idx="1"/>
+          </p:nvPr>
+        </p:nvSpPr>
+        <p:spPr>
+          <a:xfrm>
+            <a:off x="438024" y="1250427"/>
+            <a:ext cx="8248776" cy="2970661"/>
+          </a:xfrm>
+          <a:ln>
+            <a:solidFill>
+              <a:srgbClr val="C00000"/>
+            </a:solidFill>
+          </a:ln>
+        </p:spPr>
+        <p:txBody>
+          <a:bodyPr>
+            <a:noAutofit/>
+          </a:bodyPr>
+          <a:lstStyle/>
+          <a:p>
+            <a:pPr marL="342900" indent="-342900" algn="l">
+              <a:buClr>
+                <a:srgbClr val="0070C0"/>
+              </a:buClr>
+              <a:buSzPct val="80000"/>
+              <a:buFont typeface="Wingdings" pitchFamily="2" charset="2"/>
+              <a:buChar char="u"/>
+            </a:pPr>
+            <a:r>
+              <a:rPr lang="en-US" sz="1800" b="1" dirty="0">
+                <a:solidFill>
+                  <a:schemeClr val="tx1"/>
+                </a:solidFill>
+              </a:rPr>
+              <a:t>Signal and Slot of Button</a:t>
+            </a:r>
+          </a:p>
+          <a:p>
+            <a:pPr marL="342900" indent="-342900" algn="l">
+              <a:buClr>
+                <a:srgbClr val="0070C0"/>
+              </a:buClr>
+              <a:buSzPct val="80000"/>
+              <a:buFont typeface="Wingdings" pitchFamily="2" charset="2"/>
+              <a:buChar char="u"/>
+            </a:pPr>
+            <a:r>
+              <a:rPr lang="en-US" sz="1800" dirty="0">
+                <a:solidFill>
+                  <a:schemeClr val="tx1"/>
+                </a:solidFill>
+              </a:rPr>
+              <a:t>The function is in the SLOT().</a:t>
+            </a:r>
+          </a:p>
+          <a:p>
+            <a:pPr marL="342900" indent="-342900" algn="l">
+              <a:buClr>
+                <a:srgbClr val="0070C0"/>
+              </a:buClr>
+              <a:buSzPct val="80000"/>
+              <a:buFont typeface="Wingdings" pitchFamily="2" charset="2"/>
+              <a:buChar char="u"/>
+            </a:pPr>
+            <a:r>
+              <a:rPr lang="en-US" sz="1800" dirty="0">
+                <a:solidFill>
+                  <a:schemeClr val="tx1"/>
+                </a:solidFill>
+              </a:rPr>
+              <a:t>Whenever the user clicked the signal, the thing in the slot happens.</a:t>
+            </a:r>
+          </a:p>
+          <a:p>
+            <a:pPr marL="342900" indent="-342900" algn="l">
+              <a:buClr>
+                <a:srgbClr val="0070C0"/>
+              </a:buClr>
+              <a:buSzPct val="80000"/>
+              <a:buFont typeface="Wingdings" pitchFamily="2" charset="2"/>
+              <a:buChar char="u"/>
+            </a:pPr>
+            <a:r>
+              <a:rPr lang="en-US" sz="1800" dirty="0">
+                <a:solidFill>
+                  <a:schemeClr val="tx1"/>
+                </a:solidFill>
+              </a:rPr>
+              <a:t>What do we want to happen whenever the user clicked the button?</a:t>
+            </a:r>
+          </a:p>
+          <a:p>
+            <a:pPr marL="342900" indent="-342900" algn="l">
+              <a:buClr>
+                <a:srgbClr val="0070C0"/>
+              </a:buClr>
+              <a:buSzPct val="80000"/>
+              <a:buFont typeface="Wingdings" pitchFamily="2" charset="2"/>
+              <a:buChar char="u"/>
+            </a:pPr>
+            <a:r>
+              <a:rPr lang="en-US" sz="1800" dirty="0">
+                <a:solidFill>
+                  <a:schemeClr val="tx1"/>
+                </a:solidFill>
+              </a:rPr>
+              <a:t>For the slot or the event that happens, we just want to quit.</a:t>
+            </a:r>
+          </a:p>
+          <a:p>
+            <a:pPr marL="342900" indent="-342900" algn="l">
+              <a:buClr>
+                <a:srgbClr val="0070C0"/>
+              </a:buClr>
+              <a:buSzPct val="80000"/>
+              <a:buFont typeface="Wingdings" pitchFamily="2" charset="2"/>
+              <a:buChar char="u"/>
+            </a:pPr>
+            <a:r>
+              <a:rPr lang="en-US" sz="1800" dirty="0">
+                <a:solidFill>
+                  <a:schemeClr val="tx1"/>
+                </a:solidFill>
+              </a:rPr>
+              <a:t>The quit() function just want to quite the program.</a:t>
+            </a:r>
+          </a:p>
+          <a:p>
+            <a:pPr marL="342900" indent="-342900" algn="l">
+              <a:buClr>
+                <a:srgbClr val="0070C0"/>
+              </a:buClr>
+              <a:buSzPct val="80000"/>
+              <a:buFont typeface="Wingdings" pitchFamily="2" charset="2"/>
+              <a:buChar char="u"/>
+            </a:pPr>
+            <a:r>
+              <a:rPr lang="en-US" sz="1800" dirty="0">
+                <a:solidFill>
+                  <a:schemeClr val="tx1"/>
+                </a:solidFill>
+              </a:rPr>
+              <a:t>The connect() function is used to associate the SIGNAL() and SLOT().</a:t>
+            </a:r>
+          </a:p>
+          <a:p>
+            <a:pPr marL="342900" indent="-342900" algn="l">
+              <a:buClr>
+                <a:srgbClr val="0070C0"/>
+              </a:buClr>
+              <a:buSzPct val="80000"/>
+              <a:buFont typeface="Wingdings" pitchFamily="2" charset="2"/>
+              <a:buChar char="u"/>
+            </a:pPr>
+            <a:r>
+              <a:rPr lang="en-US" sz="1800" b="1" dirty="0">
+                <a:solidFill>
+                  <a:srgbClr val="C00000"/>
+                </a:solidFill>
+              </a:rPr>
+              <a:t>The signal we chose was click the button and the slot that we chose was quit the program.</a:t>
+            </a:r>
+          </a:p>
+          <a:p>
+            <a:pPr marL="342900" indent="-342900" algn="l">
+              <a:buClr>
+                <a:srgbClr val="0070C0"/>
+              </a:buClr>
+              <a:buSzPct val="80000"/>
+              <a:buFont typeface="Wingdings" pitchFamily="2" charset="2"/>
+              <a:buChar char="u"/>
+            </a:pPr>
+            <a:endParaRPr lang="en-US" sz="1800" dirty="0">
+              <a:solidFill>
+                <a:schemeClr val="tx1"/>
+              </a:solidFill>
+            </a:endParaRPr>
+          </a:p>
+        </p:txBody>
+      </p:sp>
+      <p:sp>
+        <p:nvSpPr>
+          <p:cNvPr id="4" name="標題 1"/>
+          <p:cNvSpPr txBox="1">
+            <a:spLocks/>
+          </p:cNvSpPr>
+          <p:nvPr/>
+        </p:nvSpPr>
+        <p:spPr>
+          <a:xfrm>
+            <a:off x="0" y="764704"/>
+            <a:ext cx="9144000" cy="360040"/>
+          </a:xfrm>
+          <a:prstGeom prst="rect">
+            <a:avLst/>
+          </a:prstGeom>
+          <a:gradFill flip="none" rotWithShape="1">
+            <a:gsLst>
+              <a:gs pos="0">
+                <a:srgbClr val="00B0F0">
+                  <a:shade val="30000"/>
+                  <a:satMod val="115000"/>
+                </a:srgbClr>
+              </a:gs>
+              <a:gs pos="50000">
+                <a:srgbClr val="00B0F0">
+                  <a:shade val="67500"/>
+                  <a:satMod val="115000"/>
+                </a:srgbClr>
+              </a:gs>
+              <a:gs pos="100000">
+                <a:srgbClr val="00B0F0">
+                  <a:shade val="100000"/>
+                  <a:satMod val="115000"/>
+                </a:srgbClr>
+              </a:gs>
+            </a:gsLst>
+            <a:path path="circle">
+              <a:fillToRect t="100000" r="100000"/>
+            </a:path>
+            <a:tileRect l="-100000" b="-100000"/>
+          </a:gradFill>
+        </p:spPr>
+        <p:txBody>
+          <a:bodyPr vert="horz" lIns="91440" tIns="45720" rIns="91440" bIns="45720" rtlCol="0" anchor="ctr">
+            <a:normAutofit/>
+          </a:bodyPr>
+          <a:lstStyle/>
+          <a:p>
+            <a:pPr lvl="0">
+              <a:spcBef>
+                <a:spcPct val="0"/>
+              </a:spcBef>
+            </a:pPr>
+            <a:r>
+              <a:rPr lang="en-US" sz="1600" dirty="0"/>
+              <a:t>https://www.youtube.com/watch?v=swZNOKKkQiw&amp;list=PLD0D54219E5F2544D&amp;index=6</a:t>
+            </a:r>
+            <a:endParaRPr kumimoji="0" lang="zh-TW" altLang="en-US" sz="1600" b="0" i="0" u="none" strike="noStrike" kern="1200" cap="none" spc="0" normalizeH="0" baseline="0" noProof="0" dirty="0">
+              <a:ln>
+                <a:noFill/>
+              </a:ln>
+              <a:solidFill>
+                <a:schemeClr val="tx1"/>
+              </a:solidFill>
+              <a:effectLst/>
+              <a:uLnTx/>
+              <a:uFillTx/>
+              <a:latin typeface="+mj-lt"/>
+              <a:ea typeface="+mj-ea"/>
+              <a:cs typeface="+mj-cs"/>
+            </a:endParaRPr>
+          </a:p>
+        </p:txBody>
+      </p:sp>
+      <p:sp>
+        <p:nvSpPr>
+          <p:cNvPr id="5" name="日期版面配置區 4"/>
+          <p:cNvSpPr>
+            <a:spLocks noGrp="1"/>
+          </p:cNvSpPr>
+          <p:nvPr>
+            <p:ph type="dt" sz="half" idx="10"/>
+          </p:nvPr>
+        </p:nvSpPr>
+        <p:spPr/>
+        <p:txBody>
+          <a:bodyPr/>
+          <a:lstStyle/>
+          <a:p>
+            <a:fld id="{A4F910E6-8D00-4BAF-8C48-9688E0B449D3}" type="datetime1">
+              <a:rPr lang="zh-TW" altLang="en-US" smtClean="0"/>
+              <a:pPr/>
+              <a:t>2022/10/31</a:t>
+            </a:fld>
+            <a:endParaRPr lang="zh-TW" altLang="en-US"/>
+          </a:p>
+        </p:txBody>
+      </p:sp>
+      <p:sp>
+        <p:nvSpPr>
+          <p:cNvPr id="6" name="投影片編號版面配置區 5"/>
+          <p:cNvSpPr>
+            <a:spLocks noGrp="1"/>
+          </p:cNvSpPr>
+          <p:nvPr>
+            <p:ph type="sldNum" sz="quarter" idx="12"/>
+          </p:nvPr>
+        </p:nvSpPr>
+        <p:spPr/>
+        <p:txBody>
+          <a:bodyPr/>
+          <a:lstStyle/>
+          <a:p>
+            <a:fld id="{E4D7E63D-91F2-4366-A2C4-1B00C9E2590E}" type="slidenum">
+              <a:rPr lang="zh-TW" altLang="en-US" smtClean="0"/>
+              <a:pPr/>
+              <a:t>9</a:t>
+            </a:fld>
+            <a:endParaRPr lang="zh-TW" altLang="en-US"/>
+          </a:p>
+        </p:txBody>
+      </p:sp>
+      <p:sp>
+        <p:nvSpPr>
+          <p:cNvPr id="8" name="Rectangle 7">
+            <a:extLst>
+              <a:ext uri="{FF2B5EF4-FFF2-40B4-BE49-F238E27FC236}">
+                <a16:creationId xmlns:a16="http://schemas.microsoft.com/office/drawing/2014/main" id="{275A914D-6C90-6558-CE97-ADB126214029}"/>
+              </a:ext>
+            </a:extLst>
+          </p:cNvPr>
+          <p:cNvSpPr/>
+          <p:nvPr/>
+        </p:nvSpPr>
+        <p:spPr>
+          <a:xfrm>
+            <a:off x="6720880" y="5242448"/>
+            <a:ext cx="1379512" cy="365125"/>
+          </a:xfrm>
+          <a:prstGeom prst="rect">
+            <a:avLst/>
+          </a:prstGeom>
+          <a:noFill/>
+          <a:ln>
+            <a:solidFill>
+              <a:srgbClr val="C00000"/>
+            </a:solidFill>
+          </a:ln>
+        </p:spPr>
+        <p:style>
+          <a:lnRef idx="2">
+            <a:schemeClr val="accent1">
+              <a:shade val="50000"/>
+            </a:schemeClr>
+          </a:lnRef>
+          <a:fillRef idx="1">
+            <a:schemeClr val="accent1"/>
+          </a:fillRef>
+          <a:effectRef idx="0">
+            <a:schemeClr val="accent1"/>
+          </a:effectRef>
+          <a:fontRef idx="minor">
+            <a:schemeClr val="lt1"/>
+          </a:fontRef>
+        </p:style>
+        <p:txBody>
+          <a:bodyPr rtlCol="0" anchor="ctr"/>
+          <a:lstStyle/>
+          <a:p>
+            <a:pPr algn="ctr"/>
+            <a:endParaRPr lang="en-US"/>
+          </a:p>
+        </p:txBody>
+      </p:sp>
+    </p:spTree>
+    <p:extLst>
+      <p:ext uri="{BB962C8B-B14F-4D97-AF65-F5344CB8AC3E}">
+        <p14:creationId xmlns:p14="http://schemas.microsoft.com/office/powerpoint/2010/main" val="1609139904"/>
+      </p:ext>
+    </p:extLst>
   </p:cSld>
   <p:clrMapOvr>
     <a:masterClrMapping/>
